--- a/중간보고서/중간보고서_채민.pptx
+++ b/중간보고서/중간보고서_채민.pptx
@@ -238,7 +238,7 @@
             <a:fld id="{46AA5D5A-343A-4C1A-BC9D-610EC8B80F49}" type="datetimeFigureOut">
               <a:rPr lang="ko-KR" altLang="en-US" smtClean="0"/>
               <a:pPr/>
-              <a:t>2020-07-24</a:t>
+              <a:t>2020-07-25</a:t>
             </a:fld>
             <a:endParaRPr lang="ko-KR" altLang="en-US"/>
           </a:p>
@@ -688,7 +688,7 @@
             <a:fld id="{94F08C18-F846-4F83-9E4A-EF96E909B73F}" type="datetime1">
               <a:rPr lang="ko-KR" altLang="en-US" smtClean="0"/>
               <a:pPr/>
-              <a:t>2020-07-24</a:t>
+              <a:t>2020-07-25</a:t>
             </a:fld>
             <a:endParaRPr lang="ko-KR" altLang="en-US"/>
           </a:p>
@@ -861,7 +861,7 @@
             <a:fld id="{B022DE9A-8BD0-4588-90EC-B8326F0668FE}" type="datetime1">
               <a:rPr lang="ko-KR" altLang="en-US" smtClean="0"/>
               <a:pPr/>
-              <a:t>2020-07-24</a:t>
+              <a:t>2020-07-25</a:t>
             </a:fld>
             <a:endParaRPr lang="ko-KR" altLang="en-US"/>
           </a:p>
@@ -1044,7 +1044,7 @@
             <a:fld id="{77F8B5EE-9957-45ED-8881-249F27AAE9BD}" type="datetime1">
               <a:rPr lang="ko-KR" altLang="en-US" smtClean="0"/>
               <a:pPr/>
-              <a:t>2020-07-24</a:t>
+              <a:t>2020-07-25</a:t>
             </a:fld>
             <a:endParaRPr lang="ko-KR" altLang="en-US"/>
           </a:p>
@@ -1217,7 +1217,7 @@
             <a:fld id="{8A3DBE8A-08A0-4AE2-B806-C9B9A473B0ED}" type="datetime1">
               <a:rPr lang="ko-KR" altLang="en-US" smtClean="0"/>
               <a:pPr/>
-              <a:t>2020-07-24</a:t>
+              <a:t>2020-07-25</a:t>
             </a:fld>
             <a:endParaRPr lang="ko-KR" altLang="en-US"/>
           </a:p>
@@ -1472,7 +1472,7 @@
             <a:fld id="{7FE13E15-7006-4370-B5F6-60D7104AE3B4}" type="datetime1">
               <a:rPr lang="ko-KR" altLang="en-US" smtClean="0"/>
               <a:pPr/>
-              <a:t>2020-07-24</a:t>
+              <a:t>2020-07-25</a:t>
             </a:fld>
             <a:endParaRPr lang="ko-KR" altLang="en-US"/>
           </a:p>
@@ -1762,7 +1762,7 @@
             <a:fld id="{F7D10D11-2C95-44F2-9DFC-D0C737CB5390}" type="datetime1">
               <a:rPr lang="ko-KR" altLang="en-US" smtClean="0"/>
               <a:pPr/>
-              <a:t>2020-07-24</a:t>
+              <a:t>2020-07-25</a:t>
             </a:fld>
             <a:endParaRPr lang="ko-KR" altLang="en-US"/>
           </a:p>
@@ -2186,7 +2186,7 @@
             <a:fld id="{A5135845-0C4F-469E-8726-3EBFD71077A7}" type="datetime1">
               <a:rPr lang="ko-KR" altLang="en-US" smtClean="0"/>
               <a:pPr/>
-              <a:t>2020-07-24</a:t>
+              <a:t>2020-07-25</a:t>
             </a:fld>
             <a:endParaRPr lang="ko-KR" altLang="en-US"/>
           </a:p>
@@ -2308,7 +2308,7 @@
             <a:fld id="{C80FC019-3CDA-4483-987D-B12D1EB4D233}" type="datetime1">
               <a:rPr lang="ko-KR" altLang="en-US" smtClean="0"/>
               <a:pPr/>
-              <a:t>2020-07-24</a:t>
+              <a:t>2020-07-25</a:t>
             </a:fld>
             <a:endParaRPr lang="ko-KR" altLang="en-US"/>
           </a:p>
@@ -2408,7 +2408,7 @@
             <a:fld id="{45936E48-2907-481B-8F8C-35E94B4338B9}" type="datetime1">
               <a:rPr lang="ko-KR" altLang="en-US" smtClean="0"/>
               <a:pPr/>
-              <a:t>2020-07-24</a:t>
+              <a:t>2020-07-25</a:t>
             </a:fld>
             <a:endParaRPr lang="ko-KR" altLang="en-US"/>
           </a:p>
@@ -2688,7 +2688,7 @@
             <a:fld id="{76D1E666-04C9-40C3-88DF-F7C22C7A6172}" type="datetime1">
               <a:rPr lang="ko-KR" altLang="en-US" smtClean="0"/>
               <a:pPr/>
-              <a:t>2020-07-24</a:t>
+              <a:t>2020-07-25</a:t>
             </a:fld>
             <a:endParaRPr lang="ko-KR" altLang="en-US"/>
           </a:p>
@@ -2945,7 +2945,7 @@
             <a:fld id="{21D27B48-006F-4BC1-BDC8-3C8CA726AC13}" type="datetime1">
               <a:rPr lang="ko-KR" altLang="en-US" smtClean="0"/>
               <a:pPr/>
-              <a:t>2020-07-24</a:t>
+              <a:t>2020-07-25</a:t>
             </a:fld>
             <a:endParaRPr lang="ko-KR" altLang="en-US"/>
           </a:p>
@@ -3161,7 +3161,7 @@
             <a:fld id="{4926EC2E-D34C-4476-B4C7-64731BF56572}" type="datetime1">
               <a:rPr lang="ko-KR" altLang="en-US" smtClean="0"/>
               <a:pPr/>
-              <a:t>2020-07-24</a:t>
+              <a:t>2020-07-25</a:t>
             </a:fld>
             <a:endParaRPr lang="ko-KR" altLang="en-US"/>
           </a:p>
@@ -9064,7 +9064,7 @@
         </p:nvSpPr>
         <p:spPr>
           <a:xfrm>
-            <a:off x="5868144" y="1556792"/>
+            <a:off x="5883763" y="1631901"/>
             <a:ext cx="2808312" cy="2520280"/>
           </a:xfrm>
           <a:prstGeom prst="rect">

--- a/중간보고서/중간보고서_채민.pptx
+++ b/중간보고서/중간보고서_채민.pptx
@@ -5,7 +5,7 @@
     <p:sldMasterId id="2147483648" r:id="rId1"/>
   </p:sldMasterIdLst>
   <p:notesMasterIdLst>
-    <p:notesMasterId r:id="rId11"/>
+    <p:notesMasterId r:id="rId12"/>
   </p:notesMasterIdLst>
   <p:sldIdLst>
     <p:sldId id="322" r:id="rId2"/>
@@ -17,6 +17,7 @@
     <p:sldId id="358" r:id="rId8"/>
     <p:sldId id="382" r:id="rId9"/>
     <p:sldId id="374" r:id="rId10"/>
+    <p:sldId id="383" r:id="rId11"/>
   </p:sldIdLst>
   <p:sldSz cx="9144000" cy="6858000" type="screen4x3"/>
   <p:notesSz cx="6858000" cy="9144000"/>
@@ -133,6 +134,7 @@
             <p14:sldId id="358"/>
             <p14:sldId id="382"/>
             <p14:sldId id="374"/>
+            <p14:sldId id="383"/>
           </p14:sldIdLst>
         </p14:section>
       </p14:sectionLst>
@@ -238,7 +240,7 @@
             <a:fld id="{46AA5D5A-343A-4C1A-BC9D-610EC8B80F49}" type="datetimeFigureOut">
               <a:rPr lang="ko-KR" altLang="en-US" smtClean="0"/>
               <a:pPr/>
-              <a:t>2020-07-25</a:t>
+              <a:t>2020-09-03</a:t>
             </a:fld>
             <a:endParaRPr lang="ko-KR" altLang="en-US"/>
           </a:p>
@@ -688,7 +690,7 @@
             <a:fld id="{94F08C18-F846-4F83-9E4A-EF96E909B73F}" type="datetime1">
               <a:rPr lang="ko-KR" altLang="en-US" smtClean="0"/>
               <a:pPr/>
-              <a:t>2020-07-25</a:t>
+              <a:t>2020-09-03</a:t>
             </a:fld>
             <a:endParaRPr lang="ko-KR" altLang="en-US"/>
           </a:p>
@@ -861,7 +863,7 @@
             <a:fld id="{B022DE9A-8BD0-4588-90EC-B8326F0668FE}" type="datetime1">
               <a:rPr lang="ko-KR" altLang="en-US" smtClean="0"/>
               <a:pPr/>
-              <a:t>2020-07-25</a:t>
+              <a:t>2020-09-03</a:t>
             </a:fld>
             <a:endParaRPr lang="ko-KR" altLang="en-US"/>
           </a:p>
@@ -1044,7 +1046,7 @@
             <a:fld id="{77F8B5EE-9957-45ED-8881-249F27AAE9BD}" type="datetime1">
               <a:rPr lang="ko-KR" altLang="en-US" smtClean="0"/>
               <a:pPr/>
-              <a:t>2020-07-25</a:t>
+              <a:t>2020-09-03</a:t>
             </a:fld>
             <a:endParaRPr lang="ko-KR" altLang="en-US"/>
           </a:p>
@@ -1217,7 +1219,7 @@
             <a:fld id="{8A3DBE8A-08A0-4AE2-B806-C9B9A473B0ED}" type="datetime1">
               <a:rPr lang="ko-KR" altLang="en-US" smtClean="0"/>
               <a:pPr/>
-              <a:t>2020-07-25</a:t>
+              <a:t>2020-09-03</a:t>
             </a:fld>
             <a:endParaRPr lang="ko-KR" altLang="en-US"/>
           </a:p>
@@ -1472,7 +1474,7 @@
             <a:fld id="{7FE13E15-7006-4370-B5F6-60D7104AE3B4}" type="datetime1">
               <a:rPr lang="ko-KR" altLang="en-US" smtClean="0"/>
               <a:pPr/>
-              <a:t>2020-07-25</a:t>
+              <a:t>2020-09-03</a:t>
             </a:fld>
             <a:endParaRPr lang="ko-KR" altLang="en-US"/>
           </a:p>
@@ -1762,7 +1764,7 @@
             <a:fld id="{F7D10D11-2C95-44F2-9DFC-D0C737CB5390}" type="datetime1">
               <a:rPr lang="ko-KR" altLang="en-US" smtClean="0"/>
               <a:pPr/>
-              <a:t>2020-07-25</a:t>
+              <a:t>2020-09-03</a:t>
             </a:fld>
             <a:endParaRPr lang="ko-KR" altLang="en-US"/>
           </a:p>
@@ -2186,7 +2188,7 @@
             <a:fld id="{A5135845-0C4F-469E-8726-3EBFD71077A7}" type="datetime1">
               <a:rPr lang="ko-KR" altLang="en-US" smtClean="0"/>
               <a:pPr/>
-              <a:t>2020-07-25</a:t>
+              <a:t>2020-09-03</a:t>
             </a:fld>
             <a:endParaRPr lang="ko-KR" altLang="en-US"/>
           </a:p>
@@ -2308,7 +2310,7 @@
             <a:fld id="{C80FC019-3CDA-4483-987D-B12D1EB4D233}" type="datetime1">
               <a:rPr lang="ko-KR" altLang="en-US" smtClean="0"/>
               <a:pPr/>
-              <a:t>2020-07-25</a:t>
+              <a:t>2020-09-03</a:t>
             </a:fld>
             <a:endParaRPr lang="ko-KR" altLang="en-US"/>
           </a:p>
@@ -2408,7 +2410,7 @@
             <a:fld id="{45936E48-2907-481B-8F8C-35E94B4338B9}" type="datetime1">
               <a:rPr lang="ko-KR" altLang="en-US" smtClean="0"/>
               <a:pPr/>
-              <a:t>2020-07-25</a:t>
+              <a:t>2020-09-03</a:t>
             </a:fld>
             <a:endParaRPr lang="ko-KR" altLang="en-US"/>
           </a:p>
@@ -2688,7 +2690,7 @@
             <a:fld id="{76D1E666-04C9-40C3-88DF-F7C22C7A6172}" type="datetime1">
               <a:rPr lang="ko-KR" altLang="en-US" smtClean="0"/>
               <a:pPr/>
-              <a:t>2020-07-25</a:t>
+              <a:t>2020-09-03</a:t>
             </a:fld>
             <a:endParaRPr lang="ko-KR" altLang="en-US"/>
           </a:p>
@@ -2945,7 +2947,7 @@
             <a:fld id="{21D27B48-006F-4BC1-BDC8-3C8CA726AC13}" type="datetime1">
               <a:rPr lang="ko-KR" altLang="en-US" smtClean="0"/>
               <a:pPr/>
-              <a:t>2020-07-25</a:t>
+              <a:t>2020-09-03</a:t>
             </a:fld>
             <a:endParaRPr lang="ko-KR" altLang="en-US"/>
           </a:p>
@@ -3161,7 +3163,7 @@
             <a:fld id="{4926EC2E-D34C-4476-B4C7-64731BF56572}" type="datetime1">
               <a:rPr lang="ko-KR" altLang="en-US" smtClean="0"/>
               <a:pPr/>
-              <a:t>2020-07-25</a:t>
+              <a:t>2020-09-03</a:t>
             </a:fld>
             <a:endParaRPr lang="ko-KR" altLang="en-US"/>
           </a:p>
@@ -4036,14 +4038,14 @@
           <p:nvPr>
             <p:extLst>
               <p:ext uri="{D42A27DB-BD31-4B8C-83A1-F6EECF244321}">
-                <p14:modId xmlns:p14="http://schemas.microsoft.com/office/powerpoint/2010/main" val="510880550"/>
+                <p14:modId xmlns:p14="http://schemas.microsoft.com/office/powerpoint/2010/main" val="912362117"/>
               </p:ext>
             </p:extLst>
           </p:nvPr>
         </p:nvGraphicFramePr>
         <p:xfrm>
-          <a:off x="169142" y="1748304"/>
-          <a:ext cx="8765123" cy="3048848"/>
+          <a:off x="107504" y="1349122"/>
+          <a:ext cx="8765123" cy="5102200"/>
         </p:xfrm>
         <a:graphic>
           <a:graphicData uri="http://schemas.openxmlformats.org/drawingml/2006/table">
@@ -4222,7 +4224,7 @@
                 </a:extLst>
               </a:tr>
               <a:tr h="370840">
-                <a:tc rowSpan="4">
+                <a:tc rowSpan="5">
                   <a:txBody>
                     <a:bodyPr/>
                     <a:lstStyle/>
@@ -4595,7 +4597,7 @@
                   </a:ext>
                 </a:extLst>
               </a:tr>
-              <a:tr h="590416">
+              <a:tr h="320040">
                 <a:tc vMerge="1">
                   <a:txBody>
                     <a:bodyPr/>
@@ -4715,8 +4717,124 @@
                   </a:ext>
                 </a:extLst>
               </a:tr>
-              <a:tr h="598408">
+              <a:tr h="320040">
+                <a:tc vMerge="1">
+                  <a:txBody>
+                    <a:bodyPr/>
+                    <a:lstStyle/>
+                    <a:p>
+                      <a:pPr latinLnBrk="1"/>
+                      <a:endParaRPr lang="ko-KR" altLang="en-US"/>
+                    </a:p>
+                  </a:txBody>
+                  <a:tcPr/>
+                </a:tc>
                 <a:tc>
+                  <a:txBody>
+                    <a:bodyPr/>
+                    <a:lstStyle/>
+                    <a:p>
+                      <a:pPr algn="ctr" latinLnBrk="1"/>
+                      <a:r>
+                        <a:rPr lang="ko-KR" altLang="en-US" sz="1200" dirty="0"/>
+                        <a:t>버스도착정보조회</a:t>
+                      </a:r>
+                    </a:p>
+                  </a:txBody>
+                  <a:tcPr anchor="ctr"/>
+                </a:tc>
+                <a:tc>
+                  <a:txBody>
+                    <a:bodyPr/>
+                    <a:lstStyle/>
+                    <a:p>
+                      <a:pPr algn="ctr" latinLnBrk="1"/>
+                      <a:r>
+                        <a:rPr lang="en-US" altLang="ko-KR" sz="1200" dirty="0" err="1"/>
+                        <a:t>getArrInfoByRouteAllList</a:t>
+                      </a:r>
+                      <a:endParaRPr lang="ko-KR" altLang="en-US" sz="1200" dirty="0"/>
+                    </a:p>
+                  </a:txBody>
+                  <a:tcPr anchor="ctr"/>
+                </a:tc>
+                <a:tc>
+                  <a:txBody>
+                    <a:bodyPr/>
+                    <a:lstStyle/>
+                    <a:p>
+                      <a:pPr algn="ctr" latinLnBrk="1"/>
+                      <a:r>
+                        <a:rPr lang="ko-KR" altLang="en-US" sz="1200" dirty="0"/>
+                        <a:t>전체정류소 </a:t>
+                      </a:r>
+                      <a:r>
+                        <a:rPr lang="ko-KR" altLang="en-US" sz="1200" dirty="0" err="1"/>
+                        <a:t>도착예정정보찾기</a:t>
+                      </a:r>
+                      <a:endParaRPr lang="ko-KR" altLang="en-US" sz="1200" dirty="0"/>
+                    </a:p>
+                  </a:txBody>
+                  <a:tcPr anchor="ctr"/>
+                </a:tc>
+                <a:tc>
+                  <a:txBody>
+                    <a:bodyPr/>
+                    <a:lstStyle/>
+                    <a:p>
+                      <a:pPr algn="just" latinLnBrk="1"/>
+                      <a:r>
+                        <a:rPr lang="en-US" altLang="ko-KR" sz="1200" dirty="0"/>
+                        <a:t>8100</a:t>
+                      </a:r>
+                      <a:r>
+                        <a:rPr lang="ko-KR" altLang="en-US" sz="1200" dirty="0"/>
+                        <a:t>번 버스와 </a:t>
+                      </a:r>
+                      <a:r>
+                        <a:rPr lang="en-US" altLang="ko-KR" sz="1200" dirty="0"/>
+                        <a:t>M4102</a:t>
+                      </a:r>
+                      <a:r>
+                        <a:rPr lang="ko-KR" altLang="en-US" sz="1200" dirty="0"/>
+                        <a:t>번 버스에 대한 전체 정류소 도착예정정보를 </a:t>
+                      </a:r>
+                      <a:r>
+                        <a:rPr lang="ko-KR" altLang="en-US" sz="1200" dirty="0" err="1"/>
+                        <a:t>공공데이터포털에서</a:t>
+                      </a:r>
+                      <a:r>
+                        <a:rPr lang="ko-KR" altLang="en-US" sz="1200" dirty="0"/>
+                        <a:t> 받아온다</a:t>
+                      </a:r>
+                      <a:r>
+                        <a:rPr lang="en-US" altLang="ko-KR" sz="1200" dirty="0"/>
+                        <a:t>.</a:t>
+                      </a:r>
+                      <a:endParaRPr lang="ko-KR" altLang="en-US" sz="1200" dirty="0"/>
+                    </a:p>
+                  </a:txBody>
+                  <a:tcPr anchor="ctr"/>
+                </a:tc>
+                <a:tc>
+                  <a:txBody>
+                    <a:bodyPr/>
+                    <a:lstStyle/>
+                    <a:p>
+                      <a:pPr algn="ctr" latinLnBrk="1"/>
+                      <a:endParaRPr lang="ko-KR" altLang="en-US" sz="1200" dirty="0"/>
+                    </a:p>
+                  </a:txBody>
+                  <a:tcPr anchor="ctr"/>
+                </a:tc>
+                <a:extLst>
+                  <a:ext uri="{0D108BD9-81ED-4DB2-BD59-A6C34878D82A}">
+                    <a16:rowId xmlns:a16="http://schemas.microsoft.com/office/drawing/2014/main" val="2427983991"/>
+                  </a:ext>
+                </a:extLst>
+              </a:tr>
+              <a:tr h="149602">
+                <a:tc rowSpan="4">
                   <a:txBody>
                     <a:bodyPr/>
                     <a:lstStyle/>
@@ -4739,7 +4857,7 @@
                       <a:pPr algn="ctr" latinLnBrk="1"/>
                       <a:r>
                         <a:rPr lang="en-US" altLang="ko-KR" sz="1200" dirty="0"/>
-                        <a:t>S3</a:t>
+                        <a:t>DynamoDB</a:t>
                       </a:r>
                       <a:endParaRPr lang="ko-KR" altLang="en-US" sz="1200" dirty="0"/>
                     </a:p>
@@ -4769,7 +4887,7 @@
                       <a:pPr algn="ctr" latinLnBrk="1"/>
                       <a:r>
                         <a:rPr lang="ko-KR" altLang="en-US" sz="1200" dirty="0"/>
-                        <a:t>데이터 전송</a:t>
+                        <a:t>데이터 보관</a:t>
                       </a:r>
                     </a:p>
                   </a:txBody>
@@ -4783,7 +4901,7 @@
                       <a:pPr algn="just" latinLnBrk="1"/>
                       <a:r>
                         <a:rPr lang="ko-KR" altLang="en-US" sz="1200" dirty="0"/>
-                        <a:t>영상처리한 데이터를 서버를 통해 앱으로 전달한다</a:t>
+                        <a:t>영상처리한 데이터를 보관한다</a:t>
                       </a:r>
                       <a:r>
                         <a:rPr lang="en-US" altLang="ko-KR" sz="1200" dirty="0"/>
@@ -4811,6 +4929,323 @@
                   </a:ext>
                 </a:extLst>
               </a:tr>
+              <a:tr h="307598">
+                <a:tc vMerge="1">
+                  <a:txBody>
+                    <a:bodyPr/>
+                    <a:lstStyle/>
+                    <a:p>
+                      <a:pPr algn="ctr" latinLnBrk="1"/>
+                      <a:endParaRPr lang="ko-KR" altLang="en-US" sz="1200" dirty="0"/>
+                    </a:p>
+                  </a:txBody>
+                  <a:tcPr anchor="ctr"/>
+                </a:tc>
+                <a:tc>
+                  <a:txBody>
+                    <a:bodyPr/>
+                    <a:lstStyle/>
+                    <a:p>
+                      <a:pPr algn="ctr" latinLnBrk="1"/>
+                      <a:r>
+                        <a:rPr lang="en-US" altLang="ko-KR" sz="1200" dirty="0" err="1"/>
+                        <a:t>ApiGateway</a:t>
+                      </a:r>
+                      <a:endParaRPr lang="ko-KR" altLang="en-US" sz="1200" dirty="0"/>
+                    </a:p>
+                  </a:txBody>
+                  <a:tcPr anchor="ctr"/>
+                </a:tc>
+                <a:tc>
+                  <a:txBody>
+                    <a:bodyPr/>
+                    <a:lstStyle/>
+                    <a:p>
+                      <a:pPr algn="ctr" latinLnBrk="1"/>
+                      <a:r>
+                        <a:rPr lang="en-US" altLang="ko-KR" sz="1200" dirty="0"/>
+                        <a:t>Get</a:t>
+                      </a:r>
+                      <a:endParaRPr lang="ko-KR" altLang="en-US" sz="1200" dirty="0"/>
+                    </a:p>
+                  </a:txBody>
+                  <a:tcPr anchor="ctr"/>
+                </a:tc>
+                <a:tc>
+                  <a:txBody>
+                    <a:bodyPr/>
+                    <a:lstStyle/>
+                    <a:p>
+                      <a:pPr algn="ctr" latinLnBrk="1"/>
+                      <a:r>
+                        <a:rPr lang="ko-KR" altLang="en-US" sz="1200" dirty="0"/>
+                        <a:t>통신</a:t>
+                      </a:r>
+                    </a:p>
+                  </a:txBody>
+                  <a:tcPr anchor="ctr"/>
+                </a:tc>
+                <a:tc>
+                  <a:txBody>
+                    <a:bodyPr/>
+                    <a:lstStyle/>
+                    <a:p>
+                      <a:pPr algn="just" latinLnBrk="1"/>
+                      <a:r>
+                        <a:rPr lang="ko-KR" altLang="en-US" sz="1200" dirty="0"/>
+                        <a:t>영상처리한 데이터를 </a:t>
+                      </a:r>
+                      <a:r>
+                        <a:rPr lang="ko-KR" altLang="en-US" sz="1200" dirty="0" err="1"/>
+                        <a:t>앱쪽에서</a:t>
+                      </a:r>
+                      <a:r>
+                        <a:rPr lang="ko-KR" altLang="en-US" sz="1200" dirty="0"/>
+                        <a:t> 받기위해 </a:t>
+                      </a:r>
+                      <a:r>
+                        <a:rPr lang="en-US" altLang="ko-KR" sz="1200" dirty="0"/>
+                        <a:t>rest </a:t>
+                      </a:r>
+                      <a:r>
+                        <a:rPr lang="en-US" altLang="ko-KR" sz="1200" dirty="0" err="1"/>
+                        <a:t>api</a:t>
+                      </a:r>
+                      <a:r>
+                        <a:rPr lang="en-US" altLang="ko-KR" sz="1200" dirty="0"/>
+                        <a:t> </a:t>
+                      </a:r>
+                      <a:r>
+                        <a:rPr lang="ko-KR" altLang="en-US" sz="1200" dirty="0"/>
+                        <a:t>의 </a:t>
+                      </a:r>
+                      <a:r>
+                        <a:rPr lang="en-US" altLang="ko-KR" sz="1200" dirty="0"/>
+                        <a:t>get</a:t>
+                      </a:r>
+                      <a:r>
+                        <a:rPr lang="ko-KR" altLang="en-US" sz="1200" dirty="0"/>
+                        <a:t>방식 를 이용한 </a:t>
+                      </a:r>
+                      <a:r>
+                        <a:rPr lang="ko-KR" altLang="en-US" sz="1200" dirty="0" err="1"/>
+                        <a:t>통신을한다</a:t>
+                      </a:r>
+                      <a:r>
+                        <a:rPr lang="en-US" altLang="ko-KR" sz="1200" dirty="0"/>
+                        <a:t>.</a:t>
+                      </a:r>
+                      <a:endParaRPr lang="ko-KR" altLang="en-US" sz="1200" dirty="0"/>
+                    </a:p>
+                  </a:txBody>
+                  <a:tcPr anchor="ctr"/>
+                </a:tc>
+                <a:tc>
+                  <a:txBody>
+                    <a:bodyPr/>
+                    <a:lstStyle/>
+                    <a:p>
+                      <a:pPr algn="ctr" latinLnBrk="1"/>
+                      <a:endParaRPr lang="ko-KR" altLang="en-US" sz="1200" dirty="0"/>
+                    </a:p>
+                  </a:txBody>
+                  <a:tcPr anchor="ctr"/>
+                </a:tc>
+                <a:extLst>
+                  <a:ext uri="{0D108BD9-81ED-4DB2-BD59-A6C34878D82A}">
+                    <a16:rowId xmlns:a16="http://schemas.microsoft.com/office/drawing/2014/main" val="2796674046"/>
+                  </a:ext>
+                </a:extLst>
+              </a:tr>
+              <a:tr h="157996">
+                <a:tc vMerge="1">
+                  <a:txBody>
+                    <a:bodyPr/>
+                    <a:lstStyle/>
+                    <a:p>
+                      <a:pPr algn="ctr" latinLnBrk="1"/>
+                      <a:endParaRPr lang="ko-KR" altLang="en-US" sz="1200" dirty="0"/>
+                    </a:p>
+                  </a:txBody>
+                  <a:tcPr anchor="ctr"/>
+                </a:tc>
+                <a:tc>
+                  <a:txBody>
+                    <a:bodyPr/>
+                    <a:lstStyle/>
+                    <a:p>
+                      <a:pPr algn="ctr" latinLnBrk="1"/>
+                      <a:r>
+                        <a:rPr lang="en-US" altLang="ko-KR" sz="1200" dirty="0"/>
+                        <a:t>Lambda</a:t>
+                      </a:r>
+                      <a:endParaRPr lang="ko-KR" altLang="en-US" sz="1200" dirty="0"/>
+                    </a:p>
+                  </a:txBody>
+                  <a:tcPr anchor="ctr"/>
+                </a:tc>
+                <a:tc>
+                  <a:txBody>
+                    <a:bodyPr/>
+                    <a:lstStyle/>
+                    <a:p>
+                      <a:pPr algn="ctr" latinLnBrk="1"/>
+                      <a:r>
+                        <a:rPr lang="en-US" altLang="ko-KR" sz="1200" dirty="0"/>
+                        <a:t>Function</a:t>
+                      </a:r>
+                      <a:endParaRPr lang="ko-KR" altLang="en-US" sz="1200" dirty="0"/>
+                    </a:p>
+                  </a:txBody>
+                  <a:tcPr anchor="ctr"/>
+                </a:tc>
+                <a:tc>
+                  <a:txBody>
+                    <a:bodyPr/>
+                    <a:lstStyle/>
+                    <a:p>
+                      <a:pPr algn="ctr" latinLnBrk="1"/>
+                      <a:r>
+                        <a:rPr lang="ko-KR" altLang="en-US" sz="1200" dirty="0"/>
+                        <a:t>통신을 위한 함수</a:t>
+                      </a:r>
+                    </a:p>
+                  </a:txBody>
+                  <a:tcPr anchor="ctr"/>
+                </a:tc>
+                <a:tc>
+                  <a:txBody>
+                    <a:bodyPr/>
+                    <a:lstStyle/>
+                    <a:p>
+                      <a:pPr algn="just" latinLnBrk="1"/>
+                      <a:r>
+                        <a:rPr lang="en-US" altLang="ko-KR" sz="1200" dirty="0" err="1"/>
+                        <a:t>ApiGateway</a:t>
+                      </a:r>
+                      <a:r>
+                        <a:rPr lang="ko-KR" altLang="en-US" sz="1200" dirty="0"/>
+                        <a:t>으로 통신하기위한 통신함수를 구축한다</a:t>
+                      </a:r>
+                      <a:r>
+                        <a:rPr lang="en-US" altLang="ko-KR" sz="1200" dirty="0"/>
+                        <a:t>.</a:t>
+                      </a:r>
+                      <a:endParaRPr lang="ko-KR" altLang="en-US" sz="1200" dirty="0"/>
+                    </a:p>
+                  </a:txBody>
+                  <a:tcPr anchor="ctr"/>
+                </a:tc>
+                <a:tc>
+                  <a:txBody>
+                    <a:bodyPr/>
+                    <a:lstStyle/>
+                    <a:p>
+                      <a:pPr algn="ctr" latinLnBrk="1"/>
+                      <a:endParaRPr lang="ko-KR" altLang="en-US" sz="1200" dirty="0"/>
+                    </a:p>
+                  </a:txBody>
+                  <a:tcPr anchor="ctr"/>
+                </a:tc>
+                <a:extLst>
+                  <a:ext uri="{0D108BD9-81ED-4DB2-BD59-A6C34878D82A}">
+                    <a16:rowId xmlns:a16="http://schemas.microsoft.com/office/drawing/2014/main" val="1541356007"/>
+                  </a:ext>
+                </a:extLst>
+              </a:tr>
+              <a:tr h="149602">
+                <a:tc vMerge="1">
+                  <a:txBody>
+                    <a:bodyPr/>
+                    <a:lstStyle/>
+                    <a:p>
+                      <a:pPr algn="ctr" latinLnBrk="1"/>
+                      <a:endParaRPr lang="ko-KR" altLang="en-US" sz="1200" dirty="0"/>
+                    </a:p>
+                  </a:txBody>
+                  <a:tcPr anchor="ctr"/>
+                </a:tc>
+                <a:tc>
+                  <a:txBody>
+                    <a:bodyPr/>
+                    <a:lstStyle/>
+                    <a:p>
+                      <a:pPr algn="ctr" latinLnBrk="1"/>
+                      <a:r>
+                        <a:rPr lang="en-US" altLang="ko-KR" sz="1200" dirty="0"/>
+                        <a:t>AWS IoT</a:t>
+                      </a:r>
+                      <a:endParaRPr lang="ko-KR" altLang="en-US" sz="1200" dirty="0"/>
+                    </a:p>
+                  </a:txBody>
+                  <a:tcPr anchor="ctr"/>
+                </a:tc>
+                <a:tc>
+                  <a:txBody>
+                    <a:bodyPr/>
+                    <a:lstStyle/>
+                    <a:p>
+                      <a:pPr algn="ctr" latinLnBrk="1"/>
+                      <a:endParaRPr lang="ko-KR" altLang="en-US" sz="1200" dirty="0"/>
+                    </a:p>
+                  </a:txBody>
+                  <a:tcPr anchor="ctr"/>
+                </a:tc>
+                <a:tc>
+                  <a:txBody>
+                    <a:bodyPr/>
+                    <a:lstStyle/>
+                    <a:p>
+                      <a:pPr algn="ctr" latinLnBrk="1"/>
+                      <a:endParaRPr lang="ko-KR" altLang="en-US" sz="1200" dirty="0"/>
+                    </a:p>
+                  </a:txBody>
+                  <a:tcPr anchor="ctr"/>
+                </a:tc>
+                <a:tc>
+                  <a:txBody>
+                    <a:bodyPr/>
+                    <a:lstStyle/>
+                    <a:p>
+                      <a:pPr algn="just" latinLnBrk="1"/>
+                      <a:r>
+                        <a:rPr lang="ko-KR" altLang="en-US" sz="1200" dirty="0"/>
+                        <a:t>영상처리한 데이터를 </a:t>
+                      </a:r>
+                      <a:r>
+                        <a:rPr lang="en-US" altLang="ko-KR" sz="1200" dirty="0"/>
+                        <a:t>DynamoDB</a:t>
+                      </a:r>
+                      <a:r>
+                        <a:rPr lang="ko-KR" altLang="en-US" sz="1200" dirty="0"/>
+                        <a:t>에 실시간 저장한다</a:t>
+                      </a:r>
+                      <a:r>
+                        <a:rPr lang="en-US" altLang="ko-KR" sz="1200" dirty="0"/>
+                        <a:t>.</a:t>
+                      </a:r>
+                      <a:endParaRPr lang="ko-KR" altLang="en-US" sz="1200" dirty="0"/>
+                    </a:p>
+                  </a:txBody>
+                  <a:tcPr anchor="ctr"/>
+                </a:tc>
+                <a:tc>
+                  <a:txBody>
+                    <a:bodyPr/>
+                    <a:lstStyle/>
+                    <a:p>
+                      <a:pPr algn="ctr" latinLnBrk="1"/>
+                      <a:endParaRPr lang="ko-KR" altLang="en-US" sz="1200" dirty="0"/>
+                    </a:p>
+                  </a:txBody>
+                  <a:tcPr anchor="ctr"/>
+                </a:tc>
+                <a:extLst>
+                  <a:ext uri="{0D108BD9-81ED-4DB2-BD59-A6C34878D82A}">
+                    <a16:rowId xmlns:a16="http://schemas.microsoft.com/office/drawing/2014/main" val="1196872502"/>
+                  </a:ext>
+                </a:extLst>
+              </a:tr>
             </a:tbl>
           </a:graphicData>
         </a:graphic>
@@ -4819,6 +5254,548 @@
     <p:extLst>
       <p:ext uri="{BB962C8B-B14F-4D97-AF65-F5344CB8AC3E}">
         <p14:creationId xmlns:p14="http://schemas.microsoft.com/office/powerpoint/2010/main" val="1152041927"/>
+      </p:ext>
+    </p:extLst>
+  </p:cSld>
+  <p:clrMapOvr>
+    <a:masterClrMapping/>
+  </p:clrMapOvr>
+</p:sld>
+</file>
+
+<file path=ppt/slides/slide10.xml><?xml version="1.0" encoding="utf-8"?>
+<p:sld xmlns:a="http://schemas.openxmlformats.org/drawingml/2006/main" xmlns:r="http://schemas.openxmlformats.org/officeDocument/2006/relationships" xmlns:p="http://schemas.openxmlformats.org/presentationml/2006/main">
+  <p:cSld>
+    <p:spTree>
+      <p:nvGrpSpPr>
+        <p:cNvPr id="1" name=""/>
+        <p:cNvGrpSpPr/>
+        <p:nvPr/>
+      </p:nvGrpSpPr>
+      <p:grpSpPr>
+        <a:xfrm>
+          <a:off x="0" y="0"/>
+          <a:ext cx="0" cy="0"/>
+          <a:chOff x="0" y="0"/>
+          <a:chExt cx="0" cy="0"/>
+        </a:xfrm>
+      </p:grpSpPr>
+      <p:sp>
+        <p:nvSpPr>
+          <p:cNvPr id="23" name="직사각형 22"/>
+          <p:cNvSpPr/>
+          <p:nvPr/>
+        </p:nvSpPr>
+        <p:spPr>
+          <a:xfrm>
+            <a:off x="107504" y="0"/>
+            <a:ext cx="3096344" cy="1124744"/>
+          </a:xfrm>
+          <a:prstGeom prst="rect">
+            <a:avLst/>
+          </a:prstGeom>
+          <a:solidFill>
+            <a:srgbClr val="3B5AA8"/>
+          </a:solidFill>
+          <a:ln>
+            <a:noFill/>
+          </a:ln>
+        </p:spPr>
+        <p:style>
+          <a:lnRef idx="2">
+            <a:schemeClr val="accent1">
+              <a:shade val="50000"/>
+            </a:schemeClr>
+          </a:lnRef>
+          <a:fillRef idx="1">
+            <a:schemeClr val="accent1"/>
+          </a:fillRef>
+          <a:effectRef idx="0">
+            <a:schemeClr val="accent1"/>
+          </a:effectRef>
+          <a:fontRef idx="minor">
+            <a:schemeClr val="lt1"/>
+          </a:fontRef>
+        </p:style>
+        <p:txBody>
+          <a:bodyPr rtlCol="0" anchor="ctr"/>
+          <a:lstStyle/>
+          <a:p>
+            <a:pPr algn="ctr"/>
+            <a:endParaRPr lang="ko-KR" altLang="en-US"/>
+          </a:p>
+        </p:txBody>
+      </p:sp>
+      <p:cxnSp>
+        <p:nvCxnSpPr>
+          <p:cNvPr id="24" name="직선 연결선 23"/>
+          <p:cNvCxnSpPr/>
+          <p:nvPr/>
+        </p:nvCxnSpPr>
+        <p:spPr>
+          <a:xfrm>
+            <a:off x="424356" y="541195"/>
+            <a:ext cx="2591728" cy="0"/>
+          </a:xfrm>
+          <a:prstGeom prst="line">
+            <a:avLst/>
+          </a:prstGeom>
+          <a:ln w="28575">
+            <a:solidFill>
+              <a:schemeClr val="bg1">
+                <a:lumMod val="95000"/>
+              </a:schemeClr>
+            </a:solidFill>
+          </a:ln>
+        </p:spPr>
+        <p:style>
+          <a:lnRef idx="1">
+            <a:schemeClr val="accent1"/>
+          </a:lnRef>
+          <a:fillRef idx="0">
+            <a:schemeClr val="accent1"/>
+          </a:fillRef>
+          <a:effectRef idx="0">
+            <a:schemeClr val="accent1"/>
+          </a:effectRef>
+          <a:fontRef idx="minor">
+            <a:schemeClr val="tx1"/>
+          </a:fontRef>
+        </p:style>
+      </p:cxnSp>
+      <p:cxnSp>
+        <p:nvCxnSpPr>
+          <p:cNvPr id="25" name="직선 연결선 24"/>
+          <p:cNvCxnSpPr/>
+          <p:nvPr/>
+        </p:nvCxnSpPr>
+        <p:spPr>
+          <a:xfrm>
+            <a:off x="3275856" y="548680"/>
+            <a:ext cx="5328592" cy="0"/>
+          </a:xfrm>
+          <a:prstGeom prst="line">
+            <a:avLst/>
+          </a:prstGeom>
+          <a:ln w="28575">
+            <a:solidFill>
+              <a:srgbClr val="3B5AA8"/>
+            </a:solidFill>
+          </a:ln>
+        </p:spPr>
+        <p:style>
+          <a:lnRef idx="1">
+            <a:schemeClr val="accent4"/>
+          </a:lnRef>
+          <a:fillRef idx="0">
+            <a:schemeClr val="accent4"/>
+          </a:fillRef>
+          <a:effectRef idx="0">
+            <a:schemeClr val="accent4"/>
+          </a:effectRef>
+          <a:fontRef idx="minor">
+            <a:schemeClr val="tx1"/>
+          </a:fontRef>
+        </p:style>
+      </p:cxnSp>
+      <p:sp>
+        <p:nvSpPr>
+          <p:cNvPr id="28" name="제목 12"/>
+          <p:cNvSpPr txBox="1">
+            <a:spLocks/>
+          </p:cNvSpPr>
+          <p:nvPr/>
+        </p:nvSpPr>
+        <p:spPr>
+          <a:xfrm>
+            <a:off x="323528" y="692696"/>
+            <a:ext cx="2808312" cy="296631"/>
+          </a:xfrm>
+          <a:prstGeom prst="rect">
+            <a:avLst/>
+          </a:prstGeom>
+        </p:spPr>
+        <p:txBody>
+          <a:bodyPr vert="horz" lIns="91440" tIns="45720" rIns="91440" bIns="45720" rtlCol="0" anchor="t">
+            <a:noAutofit/>
+          </a:bodyPr>
+          <a:lstStyle/>
+          <a:p>
+            <a:pPr>
+              <a:spcBef>
+                <a:spcPct val="0"/>
+              </a:spcBef>
+              <a:defRPr/>
+            </a:pPr>
+            <a:r>
+              <a:rPr kumimoji="0" lang="en-US" altLang="ko-KR" sz="1700" b="1" i="0" u="none" strike="noStrike" kern="1200" cap="none" spc="0" normalizeH="0" baseline="0" noProof="0" dirty="0">
+                <a:ln>
+                  <a:noFill/>
+                </a:ln>
+                <a:solidFill>
+                  <a:schemeClr val="bg1"/>
+                </a:solidFill>
+                <a:effectLst/>
+                <a:uLnTx/>
+                <a:uFillTx/>
+                <a:latin typeface="+mn-ea"/>
+                <a:cs typeface="+mj-cs"/>
+              </a:rPr>
+              <a:t>| </a:t>
+            </a:r>
+            <a:r>
+              <a:rPr lang="ko-KR" altLang="en-US" sz="1700" b="1" dirty="0" err="1">
+                <a:solidFill>
+                  <a:schemeClr val="bg1"/>
+                </a:solidFill>
+                <a:latin typeface="+mn-ea"/>
+              </a:rPr>
+              <a:t>핵심소스코드</a:t>
+            </a:r>
+            <a:r>
+              <a:rPr lang="en-US" altLang="ko-KR" sz="1700" spc="-50" dirty="0">
+                <a:solidFill>
+                  <a:schemeClr val="bg1"/>
+                </a:solidFill>
+                <a:latin typeface="+mn-ea"/>
+                <a:cs typeface="+mj-cs"/>
+              </a:rPr>
+              <a:t>(open </a:t>
+            </a:r>
+            <a:r>
+              <a:rPr lang="en-US" altLang="ko-KR" sz="1700" spc="-50" dirty="0" err="1">
+                <a:solidFill>
+                  <a:schemeClr val="bg1"/>
+                </a:solidFill>
+                <a:latin typeface="+mn-ea"/>
+                <a:cs typeface="+mj-cs"/>
+              </a:rPr>
+              <a:t>api</a:t>
+            </a:r>
+            <a:r>
+              <a:rPr lang="en-US" altLang="ko-KR" sz="1700" spc="-50" dirty="0">
+                <a:solidFill>
+                  <a:schemeClr val="bg1"/>
+                </a:solidFill>
+                <a:latin typeface="+mn-ea"/>
+                <a:cs typeface="+mj-cs"/>
+              </a:rPr>
+              <a:t>)(4)</a:t>
+            </a:r>
+            <a:endParaRPr lang="ko-KR" altLang="en-US" sz="1700" spc="-50" dirty="0">
+              <a:solidFill>
+                <a:schemeClr val="bg1"/>
+              </a:solidFill>
+              <a:latin typeface="+mn-ea"/>
+            </a:endParaRPr>
+          </a:p>
+        </p:txBody>
+      </p:sp>
+      <p:pic>
+        <p:nvPicPr>
+          <p:cNvPr id="29" name="Picture 6"/>
+          <p:cNvPicPr>
+            <a:picLocks noChangeAspect="1" noChangeArrowheads="1"/>
+          </p:cNvPicPr>
+          <p:nvPr/>
+        </p:nvPicPr>
+        <p:blipFill>
+          <a:blip r:embed="rId2" cstate="print">
+            <a:extLst>
+              <a:ext uri="{28A0092B-C50C-407E-A947-70E740481C1C}">
+                <a14:useLocalDpi xmlns:a14="http://schemas.microsoft.com/office/drawing/2010/main" val="0"/>
+              </a:ext>
+            </a:extLst>
+          </a:blip>
+          <a:srcRect/>
+          <a:stretch>
+            <a:fillRect/>
+          </a:stretch>
+        </p:blipFill>
+        <p:spPr bwMode="auto">
+          <a:xfrm>
+            <a:off x="8388424" y="78041"/>
+            <a:ext cx="677336" cy="398631"/>
+          </a:xfrm>
+          <a:prstGeom prst="rect">
+            <a:avLst/>
+          </a:prstGeom>
+          <a:noFill/>
+          <a:ln>
+            <a:noFill/>
+          </a:ln>
+          <a:extLst>
+            <a:ext uri="{909E8E84-426E-40DD-AFC4-6F175D3DCCD1}">
+              <a14:hiddenFill xmlns:a14="http://schemas.microsoft.com/office/drawing/2010/main">
+                <a:solidFill>
+                  <a:schemeClr val="accent1"/>
+                </a:solidFill>
+              </a14:hiddenFill>
+            </a:ext>
+            <a:ext uri="{91240B29-F687-4F45-9708-019B960494DF}">
+              <a14:hiddenLine xmlns:a14="http://schemas.microsoft.com/office/drawing/2010/main" w="9525">
+                <a:solidFill>
+                  <a:schemeClr val="tx1"/>
+                </a:solidFill>
+                <a:miter lim="800000"/>
+                <a:headEnd/>
+                <a:tailEnd/>
+              </a14:hiddenLine>
+            </a:ext>
+          </a:extLst>
+        </p:spPr>
+      </p:pic>
+      <p:pic>
+        <p:nvPicPr>
+          <p:cNvPr id="30" name="Picture 2"/>
+          <p:cNvPicPr>
+            <a:picLocks noChangeAspect="1" noChangeArrowheads="1"/>
+          </p:cNvPicPr>
+          <p:nvPr/>
+        </p:nvPicPr>
+        <p:blipFill>
+          <a:blip r:embed="rId3" cstate="print"/>
+          <a:srcRect/>
+          <a:stretch>
+            <a:fillRect/>
+          </a:stretch>
+        </p:blipFill>
+        <p:spPr bwMode="auto">
+          <a:xfrm>
+            <a:off x="8676456" y="476671"/>
+            <a:ext cx="454960" cy="158965"/>
+          </a:xfrm>
+          <a:prstGeom prst="rect">
+            <a:avLst/>
+          </a:prstGeom>
+          <a:noFill/>
+          <a:ln w="9525">
+            <a:noFill/>
+            <a:miter lim="800000"/>
+            <a:headEnd/>
+            <a:tailEnd/>
+          </a:ln>
+        </p:spPr>
+      </p:pic>
+      <p:sp>
+        <p:nvSpPr>
+          <p:cNvPr id="32" name="막힌 원호 31"/>
+          <p:cNvSpPr/>
+          <p:nvPr/>
+        </p:nvSpPr>
+        <p:spPr>
+          <a:xfrm flipV="1">
+            <a:off x="-577697" y="-576001"/>
+            <a:ext cx="1181047" cy="1167213"/>
+          </a:xfrm>
+          <a:prstGeom prst="blockArc">
+            <a:avLst>
+              <a:gd name="adj1" fmla="val 16158679"/>
+              <a:gd name="adj2" fmla="val 0"/>
+              <a:gd name="adj3" fmla="val 25000"/>
+            </a:avLst>
+          </a:prstGeom>
+          <a:solidFill>
+            <a:schemeClr val="bg1"/>
+          </a:solidFill>
+          <a:ln>
+            <a:solidFill>
+              <a:schemeClr val="bg1"/>
+            </a:solidFill>
+          </a:ln>
+        </p:spPr>
+        <p:style>
+          <a:lnRef idx="2">
+            <a:schemeClr val="accent1">
+              <a:shade val="50000"/>
+            </a:schemeClr>
+          </a:lnRef>
+          <a:fillRef idx="1">
+            <a:schemeClr val="accent1"/>
+          </a:fillRef>
+          <a:effectRef idx="0">
+            <a:schemeClr val="accent1"/>
+          </a:effectRef>
+          <a:fontRef idx="minor">
+            <a:schemeClr val="lt1"/>
+          </a:fontRef>
+        </p:style>
+        <p:txBody>
+          <a:bodyPr rtlCol="0" anchor="ctr"/>
+          <a:lstStyle/>
+          <a:p>
+            <a:pPr algn="ctr"/>
+            <a:endParaRPr lang="ko-KR" altLang="en-US">
+              <a:solidFill>
+                <a:schemeClr val="tx1"/>
+              </a:solidFill>
+            </a:endParaRPr>
+          </a:p>
+        </p:txBody>
+      </p:sp>
+      <p:sp>
+        <p:nvSpPr>
+          <p:cNvPr id="11" name="바닥글 개체 틀 10"/>
+          <p:cNvSpPr>
+            <a:spLocks noGrp="1"/>
+          </p:cNvSpPr>
+          <p:nvPr>
+            <p:ph type="ftr" sz="quarter" idx="11"/>
+          </p:nvPr>
+        </p:nvSpPr>
+        <p:spPr/>
+        <p:txBody>
+          <a:bodyPr/>
+          <a:lstStyle/>
+          <a:p>
+            <a:r>
+              <a:rPr lang="ko-KR" altLang="en-US"/>
+              <a:t>한이음 ▶ 프로그램 설계서</a:t>
+            </a:r>
+          </a:p>
+        </p:txBody>
+      </p:sp>
+      <p:sp>
+        <p:nvSpPr>
+          <p:cNvPr id="13" name="직사각형 12"/>
+          <p:cNvSpPr/>
+          <p:nvPr/>
+        </p:nvSpPr>
+        <p:spPr>
+          <a:xfrm>
+            <a:off x="3851920" y="548680"/>
+            <a:ext cx="5112568" cy="338554"/>
+          </a:xfrm>
+          <a:prstGeom prst="rect">
+            <a:avLst/>
+          </a:prstGeom>
+        </p:spPr>
+        <p:txBody>
+          <a:bodyPr wrap="square">
+            <a:spAutoFit/>
+          </a:bodyPr>
+          <a:lstStyle/>
+          <a:p>
+            <a:pPr marL="265113" indent="-265113" algn="r" latinLnBrk="0"/>
+            <a:r>
+              <a:rPr lang="ko-KR" altLang="en-US" sz="1600" b="1" i="1" dirty="0">
+                <a:solidFill>
+                  <a:srgbClr val="FF0000"/>
+                </a:solidFill>
+                <a:latin typeface="+mj-lt"/>
+              </a:rPr>
+              <a:t>샘플</a:t>
+            </a:r>
+            <a:r>
+              <a:rPr lang="en-US" altLang="ko-KR" sz="1600" b="1" i="1" dirty="0">
+                <a:solidFill>
+                  <a:srgbClr val="FF0000"/>
+                </a:solidFill>
+                <a:latin typeface="+mj-lt"/>
+              </a:rPr>
+              <a:t> 2</a:t>
+            </a:r>
+            <a:endParaRPr lang="ko-KR" altLang="en-US" sz="1600" b="1" i="1" dirty="0">
+              <a:solidFill>
+                <a:srgbClr val="FF0000"/>
+              </a:solidFill>
+              <a:latin typeface="+mj-lt"/>
+            </a:endParaRPr>
+          </a:p>
+        </p:txBody>
+      </p:sp>
+      <p:pic>
+        <p:nvPicPr>
+          <p:cNvPr id="3" name="그림 2"/>
+          <p:cNvPicPr>
+            <a:picLocks noChangeAspect="1"/>
+          </p:cNvPicPr>
+          <p:nvPr/>
+        </p:nvPicPr>
+        <p:blipFill>
+          <a:blip r:embed="rId4">
+            <a:extLst>
+              <a:ext uri="{28A0092B-C50C-407E-A947-70E740481C1C}">
+                <a14:useLocalDpi xmlns:a14="http://schemas.microsoft.com/office/drawing/2010/main" val="0"/>
+              </a:ext>
+            </a:extLst>
+          </a:blip>
+          <a:srcRect/>
+          <a:stretch/>
+        </p:blipFill>
+        <p:spPr>
+          <a:xfrm>
+            <a:off x="668369" y="2109177"/>
+            <a:ext cx="7248662" cy="4247173"/>
+          </a:xfrm>
+          <a:prstGeom prst="rect">
+            <a:avLst/>
+          </a:prstGeom>
+        </p:spPr>
+      </p:pic>
+      <p:sp>
+        <p:nvSpPr>
+          <p:cNvPr id="5" name="TextBox 4">
+            <a:extLst>
+              <a:ext uri="{FF2B5EF4-FFF2-40B4-BE49-F238E27FC236}">
+                <a16:creationId xmlns:a16="http://schemas.microsoft.com/office/drawing/2014/main" id="{4E1DAFD7-5AA4-4DF0-BBE4-060C369BDF3F}"/>
+              </a:ext>
+            </a:extLst>
+          </p:cNvPr>
+          <p:cNvSpPr txBox="1"/>
+          <p:nvPr/>
+        </p:nvSpPr>
+        <p:spPr>
+          <a:xfrm>
+            <a:off x="323528" y="1175040"/>
+            <a:ext cx="7593503" cy="646331"/>
+          </a:xfrm>
+          <a:prstGeom prst="rect">
+            <a:avLst/>
+          </a:prstGeom>
+          <a:noFill/>
+        </p:spPr>
+        <p:txBody>
+          <a:bodyPr wrap="square" rtlCol="0">
+            <a:spAutoFit/>
+          </a:bodyPr>
+          <a:lstStyle/>
+          <a:p>
+            <a:r>
+              <a:rPr lang="ko-KR" altLang="en-US" dirty="0"/>
+              <a:t>신청한 공공데이터 포털의 </a:t>
+            </a:r>
+            <a:r>
+              <a:rPr lang="en-US" altLang="ko-KR" dirty="0"/>
+              <a:t>xml </a:t>
+            </a:r>
+            <a:r>
+              <a:rPr lang="ko-KR" altLang="en-US" dirty="0"/>
+              <a:t>파일을 </a:t>
+            </a:r>
+            <a:r>
+              <a:rPr lang="en-US" altLang="ko-KR" dirty="0"/>
+              <a:t>Android studio </a:t>
+            </a:r>
+            <a:r>
+              <a:rPr lang="ko-KR" altLang="en-US" dirty="0"/>
+              <a:t>에서 사용하기위해 </a:t>
+            </a:r>
+            <a:r>
+              <a:rPr lang="en-US" altLang="ko-KR" dirty="0"/>
+              <a:t>Parsing </a:t>
+            </a:r>
+            <a:r>
+              <a:rPr lang="ko-KR" altLang="en-US" dirty="0"/>
+              <a:t>하는 메인 코드</a:t>
+            </a:r>
+          </a:p>
+        </p:txBody>
+      </p:sp>
+    </p:spTree>
+    <p:extLst>
+      <p:ext uri="{BB962C8B-B14F-4D97-AF65-F5344CB8AC3E}">
+        <p14:creationId xmlns:p14="http://schemas.microsoft.com/office/powerpoint/2010/main" val="3039772014"/>
       </p:ext>
     </p:extLst>
   </p:cSld>
@@ -5458,8 +6435,8 @@
         </p:nvSpPr>
         <p:spPr>
           <a:xfrm>
-            <a:off x="1748115" y="1143002"/>
-            <a:ext cx="7031761" cy="4312737"/>
+            <a:off x="1499769" y="1683647"/>
+            <a:ext cx="5708309" cy="3905593"/>
           </a:xfrm>
           <a:prstGeom prst="roundRect">
             <a:avLst/>
@@ -5526,8 +6503,8 @@
         </p:nvGrpSpPr>
         <p:grpSpPr>
           <a:xfrm>
-            <a:off x="286948" y="1893467"/>
-            <a:ext cx="1324338" cy="1463523"/>
+            <a:off x="117939" y="2931201"/>
+            <a:ext cx="1075412" cy="1124744"/>
             <a:chOff x="616953" y="2293113"/>
             <a:chExt cx="2141317" cy="2388062"/>
           </a:xfrm>
@@ -5627,47 +6604,6 @@
           </p:spPr>
         </p:pic>
       </p:grpSp>
-      <p:sp>
-        <p:nvSpPr>
-          <p:cNvPr id="67" name="TextBox 66">
-            <a:extLst>
-              <a:ext uri="{FF2B5EF4-FFF2-40B4-BE49-F238E27FC236}">
-                <a16:creationId xmlns:a16="http://schemas.microsoft.com/office/drawing/2014/main" id="{48B2A619-835A-48FE-AC97-5074CAE0AB09}"/>
-              </a:ext>
-            </a:extLst>
-          </p:cNvPr>
-          <p:cNvSpPr txBox="1"/>
-          <p:nvPr/>
-        </p:nvSpPr>
-        <p:spPr>
-          <a:xfrm>
-            <a:off x="1005005" y="1988542"/>
-            <a:ext cx="941778" cy="246221"/>
-          </a:xfrm>
-          <a:prstGeom prst="rect">
-            <a:avLst/>
-          </a:prstGeom>
-          <a:noFill/>
-        </p:spPr>
-        <p:txBody>
-          <a:bodyPr wrap="square" rtlCol="0">
-            <a:spAutoFit/>
-          </a:bodyPr>
-          <a:lstStyle/>
-          <a:p>
-            <a:r>
-              <a:rPr lang="en-US" altLang="ko-KR" sz="1000" b="1" dirty="0">
-                <a:solidFill>
-                  <a:prstClr val="black"/>
-                </a:solidFill>
-                <a:latin typeface="Times New Roman" panose="02020603050405020304" pitchFamily="18" charset="0"/>
-                <a:cs typeface="Times New Roman" panose="02020603050405020304" pitchFamily="18" charset="0"/>
-              </a:rPr>
-              <a:t>Video.h264</a:t>
-            </a:r>
-          </a:p>
-        </p:txBody>
-      </p:sp>
       <p:cxnSp>
         <p:nvCxnSpPr>
           <p:cNvPr id="68" name="직선 화살표 연결선 67">
@@ -5680,14 +6616,14 @@
           <p:cNvCxnSpPr>
             <a:cxnSpLocks/>
             <a:stCxn id="65" idx="3"/>
-            <a:endCxn id="82" idx="1"/>
+            <a:endCxn id="6" idx="1"/>
           </p:cNvCxnSpPr>
           <p:nvPr/>
         </p:nvCxnSpPr>
         <p:spPr>
           <a:xfrm flipV="1">
-            <a:off x="1611286" y="2855554"/>
-            <a:ext cx="600252" cy="9322"/>
+            <a:off x="1193351" y="3668646"/>
+            <a:ext cx="744148" cy="9100"/>
           </a:xfrm>
           <a:prstGeom prst="straightConnector1">
             <a:avLst/>
@@ -5700,948 +6636,6 @@
             <a:prstDash val="sysDot"/>
             <a:miter lim="800000"/>
             <a:tailEnd type="triangle"/>
-          </a:ln>
-          <a:effectLst/>
-        </p:spPr>
-      </p:cxnSp>
-      <p:sp>
-        <p:nvSpPr>
-          <p:cNvPr id="69" name="TextBox 68">
-            <a:extLst>
-              <a:ext uri="{FF2B5EF4-FFF2-40B4-BE49-F238E27FC236}">
-                <a16:creationId xmlns:a16="http://schemas.microsoft.com/office/drawing/2014/main" id="{FCA13317-93E8-411E-8130-3C70477C3462}"/>
-              </a:ext>
-            </a:extLst>
-          </p:cNvPr>
-          <p:cNvSpPr txBox="1"/>
-          <p:nvPr/>
-        </p:nvSpPr>
-        <p:spPr>
-          <a:xfrm>
-            <a:off x="3171267" y="1773098"/>
-            <a:ext cx="841897" cy="430887"/>
-          </a:xfrm>
-          <a:prstGeom prst="rect">
-            <a:avLst/>
-          </a:prstGeom>
-          <a:noFill/>
-        </p:spPr>
-        <p:txBody>
-          <a:bodyPr wrap="none" rtlCol="0">
-            <a:spAutoFit/>
-          </a:bodyPr>
-          <a:lstStyle/>
-          <a:p>
-            <a:r>
-              <a:rPr lang="en-US" altLang="ko-KR" sz="1100" b="1" dirty="0">
-                <a:solidFill>
-                  <a:prstClr val="black"/>
-                </a:solidFill>
-                <a:latin typeface="Times New Roman" panose="02020603050405020304" pitchFamily="18" charset="0"/>
-                <a:cs typeface="Times New Roman" panose="02020603050405020304" pitchFamily="18" charset="0"/>
-              </a:rPr>
-              <a:t>Video.mp4</a:t>
-            </a:r>
-          </a:p>
-          <a:p>
-            <a:r>
-              <a:rPr lang="en-US" altLang="ko-KR" sz="1100" b="1" dirty="0">
-                <a:solidFill>
-                  <a:prstClr val="black"/>
-                </a:solidFill>
-                <a:latin typeface="Times New Roman" panose="02020603050405020304" pitchFamily="18" charset="0"/>
-                <a:cs typeface="Times New Roman" panose="02020603050405020304" pitchFamily="18" charset="0"/>
-              </a:rPr>
-              <a:t>(1280x720)</a:t>
-            </a:r>
-          </a:p>
-        </p:txBody>
-      </p:sp>
-      <p:sp>
-        <p:nvSpPr>
-          <p:cNvPr id="70" name="TextBox 69">
-            <a:extLst>
-              <a:ext uri="{FF2B5EF4-FFF2-40B4-BE49-F238E27FC236}">
-                <a16:creationId xmlns:a16="http://schemas.microsoft.com/office/drawing/2014/main" id="{7B8E915B-361E-42C5-A933-8F868AC0DD37}"/>
-              </a:ext>
-            </a:extLst>
-          </p:cNvPr>
-          <p:cNvSpPr txBox="1"/>
-          <p:nvPr/>
-        </p:nvSpPr>
-        <p:spPr>
-          <a:xfrm>
-            <a:off x="4795619" y="1438981"/>
-            <a:ext cx="1096775" cy="261610"/>
-          </a:xfrm>
-          <a:prstGeom prst="rect">
-            <a:avLst/>
-          </a:prstGeom>
-          <a:noFill/>
-        </p:spPr>
-        <p:txBody>
-          <a:bodyPr wrap="none" rtlCol="0">
-            <a:spAutoFit/>
-          </a:bodyPr>
-          <a:lstStyle/>
-          <a:p>
-            <a:r>
-              <a:rPr lang="en-US" altLang="ko-KR" sz="1100" b="1" dirty="0">
-                <a:solidFill>
-                  <a:prstClr val="black"/>
-                </a:solidFill>
-                <a:latin typeface="Times New Roman" panose="02020603050405020304" pitchFamily="18" charset="0"/>
-                <a:cs typeface="Times New Roman" panose="02020603050405020304" pitchFamily="18" charset="0"/>
-              </a:rPr>
-              <a:t>Video-240.mp4</a:t>
-            </a:r>
-          </a:p>
-        </p:txBody>
-      </p:sp>
-      <p:sp>
-        <p:nvSpPr>
-          <p:cNvPr id="71" name="TextBox 70">
-            <a:extLst>
-              <a:ext uri="{FF2B5EF4-FFF2-40B4-BE49-F238E27FC236}">
-                <a16:creationId xmlns:a16="http://schemas.microsoft.com/office/drawing/2014/main" id="{2F71F50A-9EE6-42F4-8416-AED3A372CC9F}"/>
-              </a:ext>
-            </a:extLst>
-          </p:cNvPr>
-          <p:cNvSpPr txBox="1"/>
-          <p:nvPr/>
-        </p:nvSpPr>
-        <p:spPr>
-          <a:xfrm>
-            <a:off x="4826859" y="1840525"/>
-            <a:ext cx="1096775" cy="261610"/>
-          </a:xfrm>
-          <a:prstGeom prst="rect">
-            <a:avLst/>
-          </a:prstGeom>
-          <a:noFill/>
-        </p:spPr>
-        <p:txBody>
-          <a:bodyPr wrap="none" rtlCol="0">
-            <a:spAutoFit/>
-          </a:bodyPr>
-          <a:lstStyle/>
-          <a:p>
-            <a:r>
-              <a:rPr lang="en-US" altLang="ko-KR" sz="1100" b="1" dirty="0">
-                <a:solidFill>
-                  <a:prstClr val="black"/>
-                </a:solidFill>
-                <a:latin typeface="Times New Roman" panose="02020603050405020304" pitchFamily="18" charset="0"/>
-                <a:cs typeface="Times New Roman" panose="02020603050405020304" pitchFamily="18" charset="0"/>
-              </a:rPr>
-              <a:t>Video-480.mp4</a:t>
-            </a:r>
-          </a:p>
-        </p:txBody>
-      </p:sp>
-      <p:sp>
-        <p:nvSpPr>
-          <p:cNvPr id="72" name="TextBox 71">
-            <a:extLst>
-              <a:ext uri="{FF2B5EF4-FFF2-40B4-BE49-F238E27FC236}">
-                <a16:creationId xmlns:a16="http://schemas.microsoft.com/office/drawing/2014/main" id="{85CCE98F-6582-4CDD-8BEC-9A881D9F9EF9}"/>
-              </a:ext>
-            </a:extLst>
-          </p:cNvPr>
-          <p:cNvSpPr txBox="1"/>
-          <p:nvPr/>
-        </p:nvSpPr>
-        <p:spPr>
-          <a:xfrm>
-            <a:off x="4795620" y="2162153"/>
-            <a:ext cx="1096774" cy="430887"/>
-          </a:xfrm>
-          <a:prstGeom prst="rect">
-            <a:avLst/>
-          </a:prstGeom>
-          <a:noFill/>
-        </p:spPr>
-        <p:txBody>
-          <a:bodyPr wrap="none" rtlCol="0">
-            <a:spAutoFit/>
-          </a:bodyPr>
-          <a:lstStyle/>
-          <a:p>
-            <a:pPr algn="ctr"/>
-            <a:r>
-              <a:rPr lang="en-US" altLang="ko-KR" sz="1100" b="1" dirty="0">
-                <a:solidFill>
-                  <a:prstClr val="black"/>
-                </a:solidFill>
-                <a:latin typeface="Times New Roman" panose="02020603050405020304" pitchFamily="18" charset="0"/>
-                <a:cs typeface="Times New Roman" panose="02020603050405020304" pitchFamily="18" charset="0"/>
-              </a:rPr>
-              <a:t>Video-720.mp4</a:t>
-            </a:r>
-            <a:br>
-              <a:rPr lang="en-US" altLang="ko-KR" sz="1100" b="1" dirty="0">
-                <a:solidFill>
-                  <a:prstClr val="black"/>
-                </a:solidFill>
-                <a:latin typeface="Times New Roman" panose="02020603050405020304" pitchFamily="18" charset="0"/>
-                <a:cs typeface="Times New Roman" panose="02020603050405020304" pitchFamily="18" charset="0"/>
-              </a:rPr>
-            </a:br>
-            <a:r>
-              <a:rPr lang="en-US" altLang="ko-KR" sz="1100" b="1" dirty="0">
-                <a:solidFill>
-                  <a:prstClr val="black"/>
-                </a:solidFill>
-                <a:latin typeface="Times New Roman" panose="02020603050405020304" pitchFamily="18" charset="0"/>
-                <a:cs typeface="Times New Roman" panose="02020603050405020304" pitchFamily="18" charset="0"/>
-              </a:rPr>
-              <a:t>(original file)</a:t>
-            </a:r>
-          </a:p>
-        </p:txBody>
-      </p:sp>
-      <p:cxnSp>
-        <p:nvCxnSpPr>
-          <p:cNvPr id="73" name="직선 화살표 연결선 72">
-            <a:extLst>
-              <a:ext uri="{FF2B5EF4-FFF2-40B4-BE49-F238E27FC236}">
-                <a16:creationId xmlns:a16="http://schemas.microsoft.com/office/drawing/2014/main" id="{4E992256-95A1-418F-8FD3-7D9D0B046CA5}"/>
-              </a:ext>
-            </a:extLst>
-          </p:cNvPr>
-          <p:cNvCxnSpPr>
-            <a:cxnSpLocks/>
-            <a:stCxn id="69" idx="3"/>
-            <a:endCxn id="70" idx="1"/>
-          </p:cNvCxnSpPr>
-          <p:nvPr/>
-        </p:nvCxnSpPr>
-        <p:spPr>
-          <a:xfrm flipV="1">
-            <a:off x="4013164" y="1569786"/>
-            <a:ext cx="782455" cy="418756"/>
-          </a:xfrm>
-          <a:prstGeom prst="straightConnector1">
-            <a:avLst/>
-          </a:prstGeom>
-          <a:noFill/>
-          <a:ln w="57150" cap="flat" cmpd="sng" algn="ctr">
-            <a:solidFill>
-              <a:sysClr val="windowText" lastClr="000000"/>
-            </a:solidFill>
-            <a:prstDash val="solid"/>
-            <a:miter lim="800000"/>
-            <a:tailEnd type="triangle"/>
-          </a:ln>
-          <a:effectLst/>
-        </p:spPr>
-      </p:cxnSp>
-      <p:cxnSp>
-        <p:nvCxnSpPr>
-          <p:cNvPr id="74" name="직선 화살표 연결선 73">
-            <a:extLst>
-              <a:ext uri="{FF2B5EF4-FFF2-40B4-BE49-F238E27FC236}">
-                <a16:creationId xmlns:a16="http://schemas.microsoft.com/office/drawing/2014/main" id="{79D3D6E4-1DB3-40C1-AD7B-CC558629D195}"/>
-              </a:ext>
-            </a:extLst>
-          </p:cNvPr>
-          <p:cNvCxnSpPr>
-            <a:cxnSpLocks/>
-            <a:stCxn id="69" idx="3"/>
-            <a:endCxn id="71" idx="1"/>
-          </p:cNvCxnSpPr>
-          <p:nvPr/>
-        </p:nvCxnSpPr>
-        <p:spPr>
-          <a:xfrm flipV="1">
-            <a:off x="4013164" y="1971330"/>
-            <a:ext cx="813695" cy="17212"/>
-          </a:xfrm>
-          <a:prstGeom prst="straightConnector1">
-            <a:avLst/>
-          </a:prstGeom>
-          <a:noFill/>
-          <a:ln w="57150" cap="flat" cmpd="sng" algn="ctr">
-            <a:solidFill>
-              <a:sysClr val="windowText" lastClr="000000"/>
-            </a:solidFill>
-            <a:prstDash val="solid"/>
-            <a:miter lim="800000"/>
-            <a:tailEnd type="triangle"/>
-          </a:ln>
-          <a:effectLst/>
-        </p:spPr>
-      </p:cxnSp>
-      <p:cxnSp>
-        <p:nvCxnSpPr>
-          <p:cNvPr id="75" name="직선 화살표 연결선 74">
-            <a:extLst>
-              <a:ext uri="{FF2B5EF4-FFF2-40B4-BE49-F238E27FC236}">
-                <a16:creationId xmlns:a16="http://schemas.microsoft.com/office/drawing/2014/main" id="{68074CE8-8CD9-4040-92A7-60EA99D28F68}"/>
-              </a:ext>
-            </a:extLst>
-          </p:cNvPr>
-          <p:cNvCxnSpPr>
-            <a:cxnSpLocks/>
-            <a:stCxn id="69" idx="3"/>
-            <a:endCxn id="72" idx="1"/>
-          </p:cNvCxnSpPr>
-          <p:nvPr/>
-        </p:nvCxnSpPr>
-        <p:spPr>
-          <a:xfrm>
-            <a:off x="4013164" y="1988542"/>
-            <a:ext cx="782456" cy="389055"/>
-          </a:xfrm>
-          <a:prstGeom prst="straightConnector1">
-            <a:avLst/>
-          </a:prstGeom>
-          <a:noFill/>
-          <a:ln w="57150" cap="flat" cmpd="sng" algn="ctr">
-            <a:solidFill>
-              <a:sysClr val="windowText" lastClr="000000"/>
-            </a:solidFill>
-            <a:prstDash val="solid"/>
-            <a:miter lim="800000"/>
-            <a:tailEnd type="triangle"/>
-          </a:ln>
-          <a:effectLst/>
-        </p:spPr>
-      </p:cxnSp>
-      <p:cxnSp>
-        <p:nvCxnSpPr>
-          <p:cNvPr id="76" name="직선 화살표 연결선 75">
-            <a:extLst>
-              <a:ext uri="{FF2B5EF4-FFF2-40B4-BE49-F238E27FC236}">
-                <a16:creationId xmlns:a16="http://schemas.microsoft.com/office/drawing/2014/main" id="{D3860639-A5EC-4F6F-9585-D87D5AD30018}"/>
-              </a:ext>
-            </a:extLst>
-          </p:cNvPr>
-          <p:cNvCxnSpPr>
-            <a:cxnSpLocks/>
-          </p:cNvCxnSpPr>
-          <p:nvPr/>
-        </p:nvCxnSpPr>
-        <p:spPr>
-          <a:xfrm flipV="1">
-            <a:off x="2614557" y="2203985"/>
-            <a:ext cx="981715" cy="346321"/>
-          </a:xfrm>
-          <a:prstGeom prst="straightConnector1">
-            <a:avLst/>
-          </a:prstGeom>
-          <a:noFill/>
-          <a:ln w="57150" cap="flat" cmpd="sng" algn="ctr">
-            <a:solidFill>
-              <a:sysClr val="windowText" lastClr="000000"/>
-            </a:solidFill>
-            <a:prstDash val="solid"/>
-            <a:miter lim="800000"/>
-            <a:tailEnd type="triangle"/>
-          </a:ln>
-          <a:effectLst/>
-        </p:spPr>
-      </p:cxnSp>
-      <p:cxnSp>
-        <p:nvCxnSpPr>
-          <p:cNvPr id="77" name="연결선: 꺾임 76">
-            <a:extLst>
-              <a:ext uri="{FF2B5EF4-FFF2-40B4-BE49-F238E27FC236}">
-                <a16:creationId xmlns:a16="http://schemas.microsoft.com/office/drawing/2014/main" id="{39BB2CBD-81E2-4F40-9F6A-2B49549B5AED}"/>
-              </a:ext>
-            </a:extLst>
-          </p:cNvPr>
-          <p:cNvCxnSpPr>
-            <a:stCxn id="70" idx="3"/>
-            <a:endCxn id="72" idx="3"/>
-          </p:cNvCxnSpPr>
-          <p:nvPr/>
-        </p:nvCxnSpPr>
-        <p:spPr>
-          <a:xfrm>
-            <a:off x="5892394" y="1569786"/>
-            <a:ext cx="12700" cy="807811"/>
-          </a:xfrm>
-          <a:prstGeom prst="bentConnector3">
-            <a:avLst>
-              <a:gd name="adj1" fmla="val 1800000"/>
-            </a:avLst>
-          </a:prstGeom>
-          <a:noFill/>
-          <a:ln w="57150" cap="flat" cmpd="sng" algn="ctr">
-            <a:solidFill>
-              <a:sysClr val="windowText" lastClr="000000"/>
-            </a:solidFill>
-            <a:prstDash val="solid"/>
-            <a:miter lim="800000"/>
-          </a:ln>
-          <a:effectLst/>
-        </p:spPr>
-      </p:cxnSp>
-      <p:cxnSp>
-        <p:nvCxnSpPr>
-          <p:cNvPr id="78" name="직선 화살표 연결선 49">
-            <a:extLst>
-              <a:ext uri="{FF2B5EF4-FFF2-40B4-BE49-F238E27FC236}">
-                <a16:creationId xmlns:a16="http://schemas.microsoft.com/office/drawing/2014/main" id="{34E89A06-0FA4-4E28-9BA4-1B0369690834}"/>
-              </a:ext>
-            </a:extLst>
-          </p:cNvPr>
-          <p:cNvCxnSpPr>
-            <a:cxnSpLocks/>
-            <a:stCxn id="71" idx="3"/>
-            <a:endCxn id="89" idx="3"/>
-          </p:cNvCxnSpPr>
-          <p:nvPr/>
-        </p:nvCxnSpPr>
-        <p:spPr>
-          <a:xfrm>
-            <a:off x="5923634" y="1971330"/>
-            <a:ext cx="81176" cy="2327301"/>
-          </a:xfrm>
-          <a:prstGeom prst="bentConnector3">
-            <a:avLst>
-              <a:gd name="adj1" fmla="val 1009462"/>
-            </a:avLst>
-          </a:prstGeom>
-          <a:noFill/>
-          <a:ln w="57150" cap="flat" cmpd="sng" algn="ctr">
-            <a:solidFill>
-              <a:sysClr val="windowText" lastClr="000000"/>
-            </a:solidFill>
-            <a:prstDash val="solid"/>
-            <a:miter lim="800000"/>
-            <a:tailEnd type="triangle"/>
-          </a:ln>
-          <a:effectLst/>
-        </p:spPr>
-      </p:cxnSp>
-      <p:sp>
-        <p:nvSpPr>
-          <p:cNvPr id="79" name="TextBox 78">
-            <a:extLst>
-              <a:ext uri="{FF2B5EF4-FFF2-40B4-BE49-F238E27FC236}">
-                <a16:creationId xmlns:a16="http://schemas.microsoft.com/office/drawing/2014/main" id="{D32A5484-1E13-4B66-9A25-FAB327DD2FF9}"/>
-              </a:ext>
-            </a:extLst>
-          </p:cNvPr>
-          <p:cNvSpPr txBox="1"/>
-          <p:nvPr/>
-        </p:nvSpPr>
-        <p:spPr>
-          <a:xfrm>
-            <a:off x="3672585" y="1449292"/>
-            <a:ext cx="912429" cy="307777"/>
-          </a:xfrm>
-          <a:prstGeom prst="rect">
-            <a:avLst/>
-          </a:prstGeom>
-          <a:noFill/>
-        </p:spPr>
-        <p:txBody>
-          <a:bodyPr wrap="none" rtlCol="0">
-            <a:spAutoFit/>
-          </a:bodyPr>
-          <a:lstStyle/>
-          <a:p>
-            <a:r>
-              <a:rPr lang="en-US" altLang="ko-KR" sz="1400" b="1" dirty="0">
-                <a:solidFill>
-                  <a:prstClr val="black"/>
-                </a:solidFill>
-                <a:latin typeface="Times New Roman" panose="02020603050405020304" pitchFamily="18" charset="0"/>
-                <a:cs typeface="Times New Roman" panose="02020603050405020304" pitchFamily="18" charset="0"/>
-              </a:rPr>
-              <a:t>Encoding</a:t>
-            </a:r>
-          </a:p>
-        </p:txBody>
-      </p:sp>
-      <p:sp>
-        <p:nvSpPr>
-          <p:cNvPr id="80" name="TextBox 79">
-            <a:extLst>
-              <a:ext uri="{FF2B5EF4-FFF2-40B4-BE49-F238E27FC236}">
-                <a16:creationId xmlns:a16="http://schemas.microsoft.com/office/drawing/2014/main" id="{17169E57-32F2-48C9-BF77-1277EB8703EF}"/>
-              </a:ext>
-            </a:extLst>
-          </p:cNvPr>
-          <p:cNvSpPr txBox="1"/>
-          <p:nvPr/>
-        </p:nvSpPr>
-        <p:spPr>
-          <a:xfrm>
-            <a:off x="6717830" y="2195250"/>
-            <a:ext cx="1627369" cy="646331"/>
-          </a:xfrm>
-          <a:prstGeom prst="rect">
-            <a:avLst/>
-          </a:prstGeom>
-          <a:noFill/>
-        </p:spPr>
-        <p:txBody>
-          <a:bodyPr wrap="none" rtlCol="0">
-            <a:spAutoFit/>
-          </a:bodyPr>
-          <a:lstStyle/>
-          <a:p>
-            <a:pPr algn="ctr"/>
-            <a:br>
-              <a:rPr lang="en-US" altLang="ko-KR" b="1" dirty="0">
-                <a:solidFill>
-                  <a:prstClr val="black"/>
-                </a:solidFill>
-                <a:latin typeface="Times New Roman" panose="02020603050405020304" pitchFamily="18" charset="0"/>
-                <a:cs typeface="Times New Roman" panose="02020603050405020304" pitchFamily="18" charset="0"/>
-              </a:rPr>
-            </a:br>
-            <a:r>
-              <a:rPr lang="en-US" altLang="ko-KR" b="1" dirty="0">
-                <a:solidFill>
-                  <a:prstClr val="black"/>
-                </a:solidFill>
-                <a:latin typeface="Times New Roman" panose="02020603050405020304" pitchFamily="18" charset="0"/>
-                <a:cs typeface="Times New Roman" panose="02020603050405020304" pitchFamily="18" charset="0"/>
-              </a:rPr>
-              <a:t>using MP4Box</a:t>
-            </a:r>
-          </a:p>
-        </p:txBody>
-      </p:sp>
-      <p:grpSp>
-        <p:nvGrpSpPr>
-          <p:cNvPr id="81" name="그룹 80">
-            <a:extLst>
-              <a:ext uri="{FF2B5EF4-FFF2-40B4-BE49-F238E27FC236}">
-                <a16:creationId xmlns:a16="http://schemas.microsoft.com/office/drawing/2014/main" id="{2E61B631-6C68-4E52-BEA0-6BCC6AB9BEB5}"/>
-              </a:ext>
-            </a:extLst>
-          </p:cNvPr>
-          <p:cNvGrpSpPr/>
-          <p:nvPr/>
-        </p:nvGrpSpPr>
-        <p:grpSpPr>
-          <a:xfrm>
-            <a:off x="2069660" y="2341685"/>
-            <a:ext cx="939803" cy="819117"/>
-            <a:chOff x="3973901" y="2185317"/>
-            <a:chExt cx="1924492" cy="1804070"/>
-          </a:xfrm>
-        </p:grpSpPr>
-        <p:sp>
-          <p:nvSpPr>
-            <p:cNvPr id="82" name="사각형: 둥근 모서리 81">
-              <a:extLst>
-                <a:ext uri="{FF2B5EF4-FFF2-40B4-BE49-F238E27FC236}">
-                  <a16:creationId xmlns:a16="http://schemas.microsoft.com/office/drawing/2014/main" id="{BA889D0B-F64F-412E-9E28-49A25F169DDC}"/>
-                </a:ext>
-              </a:extLst>
-            </p:cNvPr>
-            <p:cNvSpPr/>
-            <p:nvPr/>
-          </p:nvSpPr>
-          <p:spPr>
-            <a:xfrm>
-              <a:off x="4264433" y="2644795"/>
-              <a:ext cx="1633960" cy="1344592"/>
-            </a:xfrm>
-            <a:prstGeom prst="roundRect">
-              <a:avLst/>
-            </a:prstGeom>
-            <a:noFill/>
-            <a:ln w="38100" cap="flat" cmpd="sng" algn="ctr">
-              <a:solidFill>
-                <a:sysClr val="windowText" lastClr="000000"/>
-              </a:solidFill>
-              <a:prstDash val="solid"/>
-              <a:miter lim="800000"/>
-            </a:ln>
-            <a:effectLst/>
-          </p:spPr>
-          <p:txBody>
-            <a:bodyPr rtlCol="0" anchor="ctr"/>
-            <a:lstStyle/>
-            <a:p>
-              <a:pPr marL="0" marR="0" lvl="0" indent="0" algn="ctr" defTabSz="914400" eaLnBrk="1" fontAlgn="auto" latinLnBrk="0" hangingPunct="1">
-                <a:lnSpc>
-                  <a:spcPct val="100000"/>
-                </a:lnSpc>
-                <a:spcBef>
-                  <a:spcPts val="0"/>
-                </a:spcBef>
-                <a:spcAft>
-                  <a:spcPts val="0"/>
-                </a:spcAft>
-                <a:buClrTx/>
-                <a:buSzTx/>
-                <a:buFontTx/>
-                <a:buNone/>
-                <a:tabLst/>
-                <a:defRPr/>
-              </a:pPr>
-              <a:endParaRPr kumimoji="0" lang="ko-KR" altLang="en-US" sz="1800" b="0" i="0" u="none" strike="noStrike" kern="0" cap="none" spc="0" normalizeH="0" baseline="0" noProof="0">
-                <a:ln>
-                  <a:noFill/>
-                </a:ln>
-                <a:solidFill>
-                  <a:prstClr val="white"/>
-                </a:solidFill>
-                <a:effectLst/>
-                <a:uLnTx/>
-                <a:uFillTx/>
-                <a:latin typeface="맑은 고딕" panose="020F0502020204030204"/>
-                <a:ea typeface="맑은 고딕" panose="020B0503020000020004" pitchFamily="50" charset="-127"/>
-                <a:cs typeface="+mn-cs"/>
-              </a:endParaRPr>
-            </a:p>
-          </p:txBody>
-        </p:sp>
-        <p:pic>
-          <p:nvPicPr>
-            <p:cNvPr id="83" name="Picture 12" descr="ftpì ëí ì´ë¯¸ì§ ê²ìê²°ê³¼">
-              <a:extLst>
-                <a:ext uri="{FF2B5EF4-FFF2-40B4-BE49-F238E27FC236}">
-                  <a16:creationId xmlns:a16="http://schemas.microsoft.com/office/drawing/2014/main" id="{9E556BBF-D8D3-4987-B1F5-E06FB70203CD}"/>
-                </a:ext>
-              </a:extLst>
-            </p:cNvPr>
-            <p:cNvPicPr>
-              <a:picLocks noChangeAspect="1" noChangeArrowheads="1"/>
-            </p:cNvPicPr>
-            <p:nvPr/>
-          </p:nvPicPr>
-          <p:blipFill>
-            <a:blip r:embed="rId6" cstate="print">
-              <a:extLst>
-                <a:ext uri="{28A0092B-C50C-407E-A947-70E740481C1C}">
-                  <a14:useLocalDpi xmlns:a14="http://schemas.microsoft.com/office/drawing/2010/main" val="0"/>
-                </a:ext>
-              </a:extLst>
-            </a:blip>
-            <a:srcRect/>
-            <a:stretch>
-              <a:fillRect/>
-            </a:stretch>
-          </p:blipFill>
-          <p:spPr bwMode="auto">
-            <a:xfrm>
-              <a:off x="3973901" y="2185317"/>
-              <a:ext cx="918956" cy="918956"/>
-            </a:xfrm>
-            <a:prstGeom prst="rect">
-              <a:avLst/>
-            </a:prstGeom>
-            <a:noFill/>
-            <a:extLst>
-              <a:ext uri="{909E8E84-426E-40DD-AFC4-6F175D3DCCD1}">
-                <a14:hiddenFill xmlns:a14="http://schemas.microsoft.com/office/drawing/2010/main">
-                  <a:solidFill>
-                    <a:srgbClr val="FFFFFF"/>
-                  </a:solidFill>
-                </a14:hiddenFill>
-              </a:ext>
-            </a:extLst>
-          </p:spPr>
-        </p:pic>
-        <p:pic>
-          <p:nvPicPr>
-            <p:cNvPr id="84" name="그래픽 83" descr="클래퍼 보드">
-              <a:extLst>
-                <a:ext uri="{FF2B5EF4-FFF2-40B4-BE49-F238E27FC236}">
-                  <a16:creationId xmlns:a16="http://schemas.microsoft.com/office/drawing/2014/main" id="{B8269E0E-746B-4783-995C-A4404213B10A}"/>
-                </a:ext>
-              </a:extLst>
-            </p:cNvPr>
-            <p:cNvPicPr>
-              <a:picLocks noChangeAspect="1"/>
-            </p:cNvPicPr>
-            <p:nvPr/>
-          </p:nvPicPr>
-          <p:blipFill>
-            <a:blip r:embed="rId7">
-              <a:extLst>
-                <a:ext uri="{28A0092B-C50C-407E-A947-70E740481C1C}">
-                  <a14:useLocalDpi xmlns:a14="http://schemas.microsoft.com/office/drawing/2010/main" val="0"/>
-                </a:ext>
-                <a:ext uri="{96DAC541-7B7A-43D3-8B79-37D633B846F1}">
-                  <asvg:svgBlip xmlns:asvg="http://schemas.microsoft.com/office/drawing/2016/SVG/main" r:embed="rId8"/>
-                </a:ext>
-              </a:extLst>
-            </a:blip>
-            <a:stretch>
-              <a:fillRect/>
-            </a:stretch>
-          </p:blipFill>
-          <p:spPr>
-            <a:xfrm>
-              <a:off x="4620207" y="2791291"/>
-              <a:ext cx="914400" cy="914400"/>
-            </a:xfrm>
-            <a:prstGeom prst="rect">
-              <a:avLst/>
-            </a:prstGeom>
-          </p:spPr>
-        </p:pic>
-      </p:grpSp>
-      <p:sp>
-        <p:nvSpPr>
-          <p:cNvPr id="85" name="TextBox 84">
-            <a:extLst>
-              <a:ext uri="{FF2B5EF4-FFF2-40B4-BE49-F238E27FC236}">
-                <a16:creationId xmlns:a16="http://schemas.microsoft.com/office/drawing/2014/main" id="{79322A46-906A-453D-ACEB-5D00F710ECAA}"/>
-              </a:ext>
-            </a:extLst>
-          </p:cNvPr>
-          <p:cNvSpPr txBox="1"/>
-          <p:nvPr/>
-        </p:nvSpPr>
-        <p:spPr>
-          <a:xfrm>
-            <a:off x="6118068" y="4310139"/>
-            <a:ext cx="1259704" cy="369332"/>
-          </a:xfrm>
-          <a:prstGeom prst="rect">
-            <a:avLst/>
-          </a:prstGeom>
-          <a:noFill/>
-        </p:spPr>
-        <p:txBody>
-          <a:bodyPr wrap="none" rtlCol="0">
-            <a:spAutoFit/>
-          </a:bodyPr>
-          <a:lstStyle/>
-          <a:p>
-            <a:r>
-              <a:rPr lang="en-US" altLang="ko-KR" b="1" dirty="0" err="1">
-                <a:solidFill>
-                  <a:prstClr val="black"/>
-                </a:solidFill>
-                <a:latin typeface="Times New Roman" panose="02020603050405020304" pitchFamily="18" charset="0"/>
-                <a:cs typeface="Times New Roman" panose="02020603050405020304" pitchFamily="18" charset="0"/>
-              </a:rPr>
-              <a:t>Video.mpd</a:t>
-            </a:r>
-            <a:endParaRPr lang="en-US" altLang="ko-KR" b="1" dirty="0">
-              <a:solidFill>
-                <a:prstClr val="black"/>
-              </a:solidFill>
-              <a:latin typeface="Times New Roman" panose="02020603050405020304" pitchFamily="18" charset="0"/>
-              <a:cs typeface="Times New Roman" panose="02020603050405020304" pitchFamily="18" charset="0"/>
-            </a:endParaRPr>
-          </a:p>
-        </p:txBody>
-      </p:sp>
-      <p:grpSp>
-        <p:nvGrpSpPr>
-          <p:cNvPr id="86" name="그룹 85">
-            <a:extLst>
-              <a:ext uri="{FF2B5EF4-FFF2-40B4-BE49-F238E27FC236}">
-                <a16:creationId xmlns:a16="http://schemas.microsoft.com/office/drawing/2014/main" id="{4D2BA7FA-A07A-4F47-9032-940ED3213DC6}"/>
-              </a:ext>
-            </a:extLst>
-          </p:cNvPr>
-          <p:cNvGrpSpPr/>
-          <p:nvPr/>
-        </p:nvGrpSpPr>
-        <p:grpSpPr>
-          <a:xfrm>
-            <a:off x="4095089" y="3349075"/>
-            <a:ext cx="1909721" cy="1619964"/>
-            <a:chOff x="8199016" y="2427174"/>
-            <a:chExt cx="2154475" cy="2043695"/>
-          </a:xfrm>
-        </p:grpSpPr>
-        <p:grpSp>
-          <p:nvGrpSpPr>
-            <p:cNvPr id="87" name="그룹 86">
-              <a:extLst>
-                <a:ext uri="{FF2B5EF4-FFF2-40B4-BE49-F238E27FC236}">
-                  <a16:creationId xmlns:a16="http://schemas.microsoft.com/office/drawing/2014/main" id="{FB09B8F1-9E4F-46D5-AA98-E854B3918EB2}"/>
-                </a:ext>
-              </a:extLst>
-            </p:cNvPr>
-            <p:cNvGrpSpPr/>
-            <p:nvPr/>
-          </p:nvGrpSpPr>
-          <p:grpSpPr>
-            <a:xfrm>
-              <a:off x="8199016" y="2427174"/>
-              <a:ext cx="2154475" cy="2043695"/>
-              <a:chOff x="8719531" y="2586456"/>
-              <a:chExt cx="1633960" cy="1624526"/>
-            </a:xfrm>
-          </p:grpSpPr>
-          <p:sp>
-            <p:nvSpPr>
-              <p:cNvPr id="89" name="사각형: 둥근 모서리 88">
-                <a:extLst>
-                  <a:ext uri="{FF2B5EF4-FFF2-40B4-BE49-F238E27FC236}">
-                    <a16:creationId xmlns:a16="http://schemas.microsoft.com/office/drawing/2014/main" id="{923C69CF-2D11-495D-BE35-E68E6E422BDE}"/>
-                  </a:ext>
-                </a:extLst>
-              </p:cNvPr>
-              <p:cNvSpPr/>
-              <p:nvPr/>
-            </p:nvSpPr>
-            <p:spPr>
-              <a:xfrm>
-                <a:off x="8719531" y="2866390"/>
-                <a:ext cx="1633960" cy="1344592"/>
-              </a:xfrm>
-              <a:prstGeom prst="roundRect">
-                <a:avLst/>
-              </a:prstGeom>
-              <a:noFill/>
-              <a:ln w="38100" cap="flat" cmpd="sng" algn="ctr">
-                <a:solidFill>
-                  <a:sysClr val="windowText" lastClr="000000"/>
-                </a:solidFill>
-                <a:prstDash val="solid"/>
-                <a:miter lim="800000"/>
-              </a:ln>
-              <a:effectLst/>
-            </p:spPr>
-            <p:txBody>
-              <a:bodyPr rtlCol="0" anchor="ctr"/>
-              <a:lstStyle/>
-              <a:p>
-                <a:pPr marL="0" marR="0" lvl="0" indent="0" algn="ctr" defTabSz="914400" eaLnBrk="1" fontAlgn="auto" latinLnBrk="0" hangingPunct="1">
-                  <a:lnSpc>
-                    <a:spcPct val="100000"/>
-                  </a:lnSpc>
-                  <a:spcBef>
-                    <a:spcPts val="0"/>
-                  </a:spcBef>
-                  <a:spcAft>
-                    <a:spcPts val="0"/>
-                  </a:spcAft>
-                  <a:buClrTx/>
-                  <a:buSzTx/>
-                  <a:buFontTx/>
-                  <a:buNone/>
-                  <a:tabLst/>
-                  <a:defRPr/>
-                </a:pPr>
-                <a:endParaRPr kumimoji="0" lang="ko-KR" altLang="en-US" sz="1800" b="0" i="0" u="none" strike="noStrike" kern="0" cap="none" spc="0" normalizeH="0" baseline="0" noProof="0">
-                  <a:ln>
-                    <a:noFill/>
-                  </a:ln>
-                  <a:solidFill>
-                    <a:prstClr val="white"/>
-                  </a:solidFill>
-                  <a:effectLst/>
-                  <a:uLnTx/>
-                  <a:uFillTx/>
-                  <a:latin typeface="맑은 고딕" panose="020F0502020204030204"/>
-                  <a:ea typeface="맑은 고딕" panose="020B0503020000020004" pitchFamily="50" charset="-127"/>
-                  <a:cs typeface="+mn-cs"/>
-                </a:endParaRPr>
-              </a:p>
-            </p:txBody>
-          </p:sp>
-          <p:pic>
-            <p:nvPicPr>
-              <p:cNvPr id="90" name="그림 89">
-                <a:extLst>
-                  <a:ext uri="{FF2B5EF4-FFF2-40B4-BE49-F238E27FC236}">
-                    <a16:creationId xmlns:a16="http://schemas.microsoft.com/office/drawing/2014/main" id="{D494EA2A-2A8E-41E9-8BFB-C53308A64558}"/>
-                  </a:ext>
-                </a:extLst>
-              </p:cNvPr>
-              <p:cNvPicPr>
-                <a:picLocks noChangeAspect="1"/>
-              </p:cNvPicPr>
-              <p:nvPr/>
-            </p:nvPicPr>
-            <p:blipFill rotWithShape="1">
-              <a:blip r:embed="rId9"/>
-              <a:srcRect t="18042" b="17115"/>
-              <a:stretch/>
-            </p:blipFill>
-            <p:spPr>
-              <a:xfrm>
-                <a:off x="8912971" y="2586456"/>
-                <a:ext cx="1202857" cy="637713"/>
-              </a:xfrm>
-              <a:prstGeom prst="rect">
-                <a:avLst/>
-              </a:prstGeom>
-            </p:spPr>
-          </p:pic>
-        </p:grpSp>
-        <p:pic>
-          <p:nvPicPr>
-            <p:cNvPr id="88" name="그래픽 87" descr="문서">
-              <a:extLst>
-                <a:ext uri="{FF2B5EF4-FFF2-40B4-BE49-F238E27FC236}">
-                  <a16:creationId xmlns:a16="http://schemas.microsoft.com/office/drawing/2014/main" id="{3CDD8F74-E9DE-42E2-A3A6-A1A357B219D5}"/>
-                </a:ext>
-              </a:extLst>
-            </p:cNvPr>
-            <p:cNvPicPr>
-              <a:picLocks noChangeAspect="1"/>
-            </p:cNvPicPr>
-            <p:nvPr/>
-          </p:nvPicPr>
-          <p:blipFill>
-            <a:blip r:embed="rId10">
-              <a:extLst>
-                <a:ext uri="{28A0092B-C50C-407E-A947-70E740481C1C}">
-                  <a14:useLocalDpi xmlns:a14="http://schemas.microsoft.com/office/drawing/2010/main" val="0"/>
-                </a:ext>
-                <a:ext uri="{96DAC541-7B7A-43D3-8B79-37D633B846F1}">
-                  <asvg:svgBlip xmlns:asvg="http://schemas.microsoft.com/office/drawing/2016/SVG/main" r:embed="rId11"/>
-                </a:ext>
-              </a:extLst>
-            </a:blip>
-            <a:stretch>
-              <a:fillRect/>
-            </a:stretch>
-          </p:blipFill>
-          <p:spPr>
-            <a:xfrm>
-              <a:off x="8850851" y="3196096"/>
-              <a:ext cx="914400" cy="914400"/>
-            </a:xfrm>
-            <a:prstGeom prst="rect">
-              <a:avLst/>
-            </a:prstGeom>
-          </p:spPr>
-        </p:pic>
-      </p:grpSp>
-      <p:cxnSp>
-        <p:nvCxnSpPr>
-          <p:cNvPr id="91" name="직선 화살표 연결선 90">
-            <a:extLst>
-              <a:ext uri="{FF2B5EF4-FFF2-40B4-BE49-F238E27FC236}">
-                <a16:creationId xmlns:a16="http://schemas.microsoft.com/office/drawing/2014/main" id="{51FE79C0-A424-4470-A7FB-9AA317A8E45F}"/>
-              </a:ext>
-            </a:extLst>
-          </p:cNvPr>
-          <p:cNvCxnSpPr>
-            <a:cxnSpLocks/>
-            <a:stCxn id="89" idx="2"/>
-            <a:endCxn id="92" idx="0"/>
-          </p:cNvCxnSpPr>
-          <p:nvPr/>
-        </p:nvCxnSpPr>
-        <p:spPr>
-          <a:xfrm>
-            <a:off x="5049950" y="4969039"/>
-            <a:ext cx="1988107" cy="633688"/>
-          </a:xfrm>
-          <a:prstGeom prst="straightConnector1">
-            <a:avLst/>
-          </a:prstGeom>
-          <a:noFill/>
-          <a:ln w="57150" cap="flat" cmpd="sng" algn="ctr">
-            <a:solidFill>
-              <a:sysClr val="windowText" lastClr="000000"/>
-            </a:solidFill>
-            <a:prstDash val="sysDot"/>
-            <a:miter lim="800000"/>
-            <a:headEnd type="none"/>
-            <a:tailEnd type="none"/>
           </a:ln>
           <a:effectLst/>
         </p:spPr>
@@ -6661,7 +6655,7 @@
           <p:nvPr/>
         </p:nvPicPr>
         <p:blipFill rotWithShape="1">
-          <a:blip r:embed="rId12" cstate="print">
+          <a:blip r:embed="rId6" cstate="print">
             <a:extLst>
               <a:ext uri="{28A0092B-C50C-407E-A947-70E740481C1C}">
                 <a14:useLocalDpi xmlns:a14="http://schemas.microsoft.com/office/drawing/2010/main" val="0"/>
@@ -6673,7 +6667,7 @@
         </p:blipFill>
         <p:spPr bwMode="auto">
           <a:xfrm>
-            <a:off x="6408204" y="5602727"/>
+            <a:off x="7614560" y="3126438"/>
             <a:ext cx="1259705" cy="811982"/>
           </a:xfrm>
           <a:prstGeom prst="rect">
@@ -6693,10 +6687,10 @@
       </p:pic>
       <p:pic>
         <p:nvPicPr>
-          <p:cNvPr id="115" name="그림 114">
+          <p:cNvPr id="6" name="그림 5" descr="그리기, 테이블, 냉장고이(가) 표시된 사진&#10;&#10;자동 생성된 설명">
             <a:extLst>
               <a:ext uri="{FF2B5EF4-FFF2-40B4-BE49-F238E27FC236}">
-                <a16:creationId xmlns:a16="http://schemas.microsoft.com/office/drawing/2014/main" id="{7BB7E62D-3214-4152-98F0-30FE75DE7A89}"/>
+                <a16:creationId xmlns:a16="http://schemas.microsoft.com/office/drawing/2014/main" id="{BEAC5D11-932A-44A7-B4B9-39BE01FDFE0B}"/>
               </a:ext>
             </a:extLst>
           </p:cNvPr>
@@ -6706,21 +6700,336 @@
           <p:nvPr/>
         </p:nvPicPr>
         <p:blipFill>
-          <a:blip r:embed="rId13"/>
+          <a:blip r:embed="rId7">
+            <a:extLst>
+              <a:ext uri="{28A0092B-C50C-407E-A947-70E740481C1C}">
+                <a14:useLocalDpi xmlns:a14="http://schemas.microsoft.com/office/drawing/2010/main" val="0"/>
+              </a:ext>
+            </a:extLst>
+          </a:blip>
           <a:stretch>
             <a:fillRect/>
           </a:stretch>
         </p:blipFill>
         <p:spPr>
           <a:xfrm>
-            <a:off x="4095089" y="813175"/>
-            <a:ext cx="2280723" cy="536996"/>
+            <a:off x="1937499" y="3281347"/>
+            <a:ext cx="1156284" cy="774598"/>
           </a:xfrm>
           <a:prstGeom prst="rect">
             <a:avLst/>
           </a:prstGeom>
         </p:spPr>
       </p:pic>
+      <p:pic>
+        <p:nvPicPr>
+          <p:cNvPr id="10" name="그림 9">
+            <a:extLst>
+              <a:ext uri="{FF2B5EF4-FFF2-40B4-BE49-F238E27FC236}">
+                <a16:creationId xmlns:a16="http://schemas.microsoft.com/office/drawing/2014/main" id="{AE9BE613-417C-4096-A10D-37E19D9F802C}"/>
+              </a:ext>
+            </a:extLst>
+          </p:cNvPr>
+          <p:cNvPicPr>
+            <a:picLocks noChangeAspect="1"/>
+          </p:cNvPicPr>
+          <p:nvPr/>
+        </p:nvPicPr>
+        <p:blipFill>
+          <a:blip r:embed="rId8" cstate="print">
+            <a:extLst>
+              <a:ext uri="{28A0092B-C50C-407E-A947-70E740481C1C}">
+                <a14:useLocalDpi xmlns:a14="http://schemas.microsoft.com/office/drawing/2010/main" val="0"/>
+              </a:ext>
+            </a:extLst>
+          </a:blip>
+          <a:stretch>
+            <a:fillRect/>
+          </a:stretch>
+        </p:blipFill>
+        <p:spPr>
+          <a:xfrm>
+            <a:off x="3124200" y="4203396"/>
+            <a:ext cx="1432169" cy="822904"/>
+          </a:xfrm>
+          <a:prstGeom prst="rect">
+            <a:avLst/>
+          </a:prstGeom>
+        </p:spPr>
+      </p:pic>
+      <p:pic>
+        <p:nvPicPr>
+          <p:cNvPr id="14" name="그림 13">
+            <a:extLst>
+              <a:ext uri="{FF2B5EF4-FFF2-40B4-BE49-F238E27FC236}">
+                <a16:creationId xmlns:a16="http://schemas.microsoft.com/office/drawing/2014/main" id="{D0200049-3853-45A0-B1AA-9F62ACB5271A}"/>
+              </a:ext>
+            </a:extLst>
+          </p:cNvPr>
+          <p:cNvPicPr>
+            <a:picLocks noChangeAspect="1"/>
+          </p:cNvPicPr>
+          <p:nvPr/>
+        </p:nvPicPr>
+        <p:blipFill>
+          <a:blip r:embed="rId9" cstate="print">
+            <a:extLst>
+              <a:ext uri="{28A0092B-C50C-407E-A947-70E740481C1C}">
+                <a14:useLocalDpi xmlns:a14="http://schemas.microsoft.com/office/drawing/2010/main" val="0"/>
+              </a:ext>
+            </a:extLst>
+          </a:blip>
+          <a:stretch>
+            <a:fillRect/>
+          </a:stretch>
+        </p:blipFill>
+        <p:spPr>
+          <a:xfrm>
+            <a:off x="3545884" y="905470"/>
+            <a:ext cx="2052229" cy="1136096"/>
+          </a:xfrm>
+          <a:prstGeom prst="rect">
+            <a:avLst/>
+          </a:prstGeom>
+        </p:spPr>
+      </p:pic>
+      <p:cxnSp>
+        <p:nvCxnSpPr>
+          <p:cNvPr id="16" name="직선 화살표 연결선 15">
+            <a:extLst>
+              <a:ext uri="{FF2B5EF4-FFF2-40B4-BE49-F238E27FC236}">
+                <a16:creationId xmlns:a16="http://schemas.microsoft.com/office/drawing/2014/main" id="{A189F02F-CEAA-42C3-ABFB-9BBB4616B8E3}"/>
+              </a:ext>
+            </a:extLst>
+          </p:cNvPr>
+          <p:cNvCxnSpPr>
+            <a:cxnSpLocks/>
+            <a:stCxn id="6" idx="2"/>
+            <a:endCxn id="10" idx="1"/>
+          </p:cNvCxnSpPr>
+          <p:nvPr/>
+        </p:nvCxnSpPr>
+        <p:spPr>
+          <a:xfrm>
+            <a:off x="2515641" y="4055945"/>
+            <a:ext cx="608559" cy="558903"/>
+          </a:xfrm>
+          <a:prstGeom prst="straightConnector1">
+            <a:avLst/>
+          </a:prstGeom>
+          <a:ln w="57150">
+            <a:tailEnd type="triangle"/>
+          </a:ln>
+        </p:spPr>
+        <p:style>
+          <a:lnRef idx="1">
+            <a:schemeClr val="dk1"/>
+          </a:lnRef>
+          <a:fillRef idx="0">
+            <a:schemeClr val="dk1"/>
+          </a:fillRef>
+          <a:effectRef idx="0">
+            <a:schemeClr val="dk1"/>
+          </a:effectRef>
+          <a:fontRef idx="minor">
+            <a:schemeClr val="tx1"/>
+          </a:fontRef>
+        </p:style>
+      </p:cxnSp>
+      <p:pic>
+        <p:nvPicPr>
+          <p:cNvPr id="18" name="그림 17" descr="그리기, 표지판, 담장이(가) 표시된 사진&#10;&#10;자동 생성된 설명">
+            <a:extLst>
+              <a:ext uri="{FF2B5EF4-FFF2-40B4-BE49-F238E27FC236}">
+                <a16:creationId xmlns:a16="http://schemas.microsoft.com/office/drawing/2014/main" id="{2FAB73D5-5C8D-4713-9424-63FF5282EC8F}"/>
+              </a:ext>
+            </a:extLst>
+          </p:cNvPr>
+          <p:cNvPicPr>
+            <a:picLocks noChangeAspect="1"/>
+          </p:cNvPicPr>
+          <p:nvPr/>
+        </p:nvPicPr>
+        <p:blipFill>
+          <a:blip r:embed="rId10" cstate="print">
+            <a:extLst>
+              <a:ext uri="{28A0092B-C50C-407E-A947-70E740481C1C}">
+                <a14:useLocalDpi xmlns:a14="http://schemas.microsoft.com/office/drawing/2010/main" val="0"/>
+              </a:ext>
+            </a:extLst>
+          </a:blip>
+          <a:stretch>
+            <a:fillRect/>
+          </a:stretch>
+        </p:blipFill>
+        <p:spPr>
+          <a:xfrm>
+            <a:off x="4468650" y="2931201"/>
+            <a:ext cx="1036335" cy="1202459"/>
+          </a:xfrm>
+          <a:prstGeom prst="rect">
+            <a:avLst/>
+          </a:prstGeom>
+        </p:spPr>
+      </p:pic>
+      <p:cxnSp>
+        <p:nvCxnSpPr>
+          <p:cNvPr id="93" name="직선 화살표 연결선 92">
+            <a:extLst>
+              <a:ext uri="{FF2B5EF4-FFF2-40B4-BE49-F238E27FC236}">
+                <a16:creationId xmlns:a16="http://schemas.microsoft.com/office/drawing/2014/main" id="{EA6573D0-3FBB-4481-9BD4-3A2040C5BBE1}"/>
+              </a:ext>
+            </a:extLst>
+          </p:cNvPr>
+          <p:cNvCxnSpPr>
+            <a:cxnSpLocks/>
+            <a:stCxn id="10" idx="3"/>
+            <a:endCxn id="18" idx="2"/>
+          </p:cNvCxnSpPr>
+          <p:nvPr/>
+        </p:nvCxnSpPr>
+        <p:spPr>
+          <a:xfrm flipV="1">
+            <a:off x="4556369" y="4133660"/>
+            <a:ext cx="430449" cy="481188"/>
+          </a:xfrm>
+          <a:prstGeom prst="straightConnector1">
+            <a:avLst/>
+          </a:prstGeom>
+          <a:ln w="57150">
+            <a:tailEnd type="triangle"/>
+          </a:ln>
+        </p:spPr>
+        <p:style>
+          <a:lnRef idx="1">
+            <a:schemeClr val="dk1"/>
+          </a:lnRef>
+          <a:fillRef idx="0">
+            <a:schemeClr val="dk1"/>
+          </a:fillRef>
+          <a:effectRef idx="0">
+            <a:schemeClr val="dk1"/>
+          </a:effectRef>
+          <a:fontRef idx="minor">
+            <a:schemeClr val="tx1"/>
+          </a:fontRef>
+        </p:style>
+      </p:cxnSp>
+      <p:pic>
+        <p:nvPicPr>
+          <p:cNvPr id="39" name="그림 38" descr="그리기이(가) 표시된 사진&#10;&#10;자동 생성된 설명">
+            <a:extLst>
+              <a:ext uri="{FF2B5EF4-FFF2-40B4-BE49-F238E27FC236}">
+                <a16:creationId xmlns:a16="http://schemas.microsoft.com/office/drawing/2014/main" id="{775CA9CA-9931-4B23-958C-0F87B792266A}"/>
+              </a:ext>
+            </a:extLst>
+          </p:cNvPr>
+          <p:cNvPicPr>
+            <a:picLocks noChangeAspect="1"/>
+          </p:cNvPicPr>
+          <p:nvPr/>
+        </p:nvPicPr>
+        <p:blipFill>
+          <a:blip r:embed="rId11" cstate="print">
+            <a:extLst>
+              <a:ext uri="{28A0092B-C50C-407E-A947-70E740481C1C}">
+                <a14:useLocalDpi xmlns:a14="http://schemas.microsoft.com/office/drawing/2010/main" val="0"/>
+              </a:ext>
+            </a:extLst>
+          </a:blip>
+          <a:stretch>
+            <a:fillRect/>
+          </a:stretch>
+        </p:blipFill>
+        <p:spPr>
+          <a:xfrm>
+            <a:off x="6246523" y="3173655"/>
+            <a:ext cx="696388" cy="717549"/>
+          </a:xfrm>
+          <a:prstGeom prst="rect">
+            <a:avLst/>
+          </a:prstGeom>
+        </p:spPr>
+      </p:pic>
+      <p:cxnSp>
+        <p:nvCxnSpPr>
+          <p:cNvPr id="94" name="직선 화살표 연결선 93">
+            <a:extLst>
+              <a:ext uri="{FF2B5EF4-FFF2-40B4-BE49-F238E27FC236}">
+                <a16:creationId xmlns:a16="http://schemas.microsoft.com/office/drawing/2014/main" id="{0B7FA734-0F0B-4919-A4F5-3BDC412D8AA8}"/>
+              </a:ext>
+            </a:extLst>
+          </p:cNvPr>
+          <p:cNvCxnSpPr>
+            <a:cxnSpLocks/>
+            <a:stCxn id="18" idx="3"/>
+            <a:endCxn id="39" idx="1"/>
+          </p:cNvCxnSpPr>
+          <p:nvPr/>
+        </p:nvCxnSpPr>
+        <p:spPr>
+          <a:xfrm flipV="1">
+            <a:off x="5504985" y="3532430"/>
+            <a:ext cx="741538" cy="1"/>
+          </a:xfrm>
+          <a:prstGeom prst="straightConnector1">
+            <a:avLst/>
+          </a:prstGeom>
+          <a:ln w="57150">
+            <a:tailEnd type="triangle"/>
+          </a:ln>
+        </p:spPr>
+        <p:style>
+          <a:lnRef idx="1">
+            <a:schemeClr val="dk1"/>
+          </a:lnRef>
+          <a:fillRef idx="0">
+            <a:schemeClr val="dk1"/>
+          </a:fillRef>
+          <a:effectRef idx="0">
+            <a:schemeClr val="dk1"/>
+          </a:effectRef>
+          <a:fontRef idx="minor">
+            <a:schemeClr val="tx1"/>
+          </a:fontRef>
+        </p:style>
+      </p:cxnSp>
+      <p:cxnSp>
+        <p:nvCxnSpPr>
+          <p:cNvPr id="95" name="직선 화살표 연결선 94">
+            <a:extLst>
+              <a:ext uri="{FF2B5EF4-FFF2-40B4-BE49-F238E27FC236}">
+                <a16:creationId xmlns:a16="http://schemas.microsoft.com/office/drawing/2014/main" id="{A21B7B31-F442-45E5-972B-79AA6504C734}"/>
+              </a:ext>
+            </a:extLst>
+          </p:cNvPr>
+          <p:cNvCxnSpPr>
+            <a:cxnSpLocks/>
+            <a:stCxn id="39" idx="3"/>
+            <a:endCxn id="92" idx="1"/>
+          </p:cNvCxnSpPr>
+          <p:nvPr/>
+        </p:nvCxnSpPr>
+        <p:spPr>
+          <a:xfrm flipV="1">
+            <a:off x="6942911" y="3532429"/>
+            <a:ext cx="671649" cy="1"/>
+          </a:xfrm>
+          <a:prstGeom prst="straightConnector1">
+            <a:avLst/>
+          </a:prstGeom>
+          <a:noFill/>
+          <a:ln w="57150" cap="flat" cmpd="sng" algn="ctr">
+            <a:solidFill>
+              <a:sysClr val="windowText" lastClr="000000"/>
+            </a:solidFill>
+            <a:prstDash val="sysDot"/>
+            <a:miter lim="800000"/>
+            <a:tailEnd type="triangle"/>
+          </a:ln>
+          <a:effectLst/>
+        </p:spPr>
+      </p:cxnSp>
     </p:spTree>
     <p:extLst>
       <p:ext uri="{BB962C8B-B14F-4D97-AF65-F5344CB8AC3E}">
@@ -7691,7 +8000,258 @@
                   <a:prstClr val="black"/>
                 </a:solidFill>
               </a:rPr>
-              <a:t>를 서버 데이터 베이스에 저장</a:t>
+              <a:t>를 서버 데이터 베이스에</a:t>
+            </a:r>
+            <a:endParaRPr lang="en-US" altLang="ko-KR" sz="1400" b="1" dirty="0">
+              <a:solidFill>
+                <a:prstClr val="black"/>
+              </a:solidFill>
+            </a:endParaRPr>
+          </a:p>
+          <a:p>
+            <a:pPr lvl="0" algn="ctr">
+              <a:defRPr/>
+            </a:pPr>
+            <a:r>
+              <a:rPr lang="ko-KR" altLang="en-US" sz="1400" b="1" dirty="0">
+                <a:solidFill>
+                  <a:prstClr val="black"/>
+                </a:solidFill>
+              </a:rPr>
+              <a:t> 저장</a:t>
+            </a:r>
+            <a:endParaRPr lang="en-US" altLang="ko-KR" sz="1400" b="1" dirty="0">
+              <a:solidFill>
+                <a:prstClr val="black"/>
+              </a:solidFill>
+            </a:endParaRPr>
+          </a:p>
+          <a:p>
+            <a:pPr lvl="0" algn="ctr">
+              <a:defRPr/>
+            </a:pPr>
+            <a:r>
+              <a:rPr lang="en-US" altLang="ko-KR" sz="1400" b="1" dirty="0">
+                <a:solidFill>
+                  <a:prstClr val="black"/>
+                </a:solidFill>
+              </a:rPr>
+              <a:t>3. </a:t>
+            </a:r>
+            <a:r>
+              <a:rPr lang="ko-KR" altLang="en-US" sz="1400" b="1" dirty="0">
+                <a:solidFill>
+                  <a:prstClr val="black"/>
+                </a:solidFill>
+              </a:rPr>
+              <a:t>데이터 요청</a:t>
+            </a:r>
+            <a:r>
+              <a:rPr lang="en-US" altLang="ko-KR" sz="1400" b="1" dirty="0">
+                <a:solidFill>
+                  <a:prstClr val="black"/>
+                </a:solidFill>
+              </a:rPr>
+              <a:t>(</a:t>
+            </a:r>
+            <a:r>
+              <a:rPr lang="ko-KR" altLang="en-US" sz="1400" b="1" dirty="0">
+                <a:solidFill>
+                  <a:prstClr val="black"/>
+                </a:solidFill>
+              </a:rPr>
+              <a:t>서버</a:t>
+            </a:r>
+            <a:r>
+              <a:rPr lang="en-US" altLang="ko-KR" sz="1400" b="1" dirty="0">
+                <a:solidFill>
+                  <a:prstClr val="black"/>
+                </a:solidFill>
+              </a:rPr>
+              <a:t>) : </a:t>
+            </a:r>
+            <a:r>
+              <a:rPr lang="ko-KR" altLang="en-US" sz="1400" b="1" dirty="0">
+                <a:solidFill>
+                  <a:prstClr val="black"/>
+                </a:solidFill>
+              </a:rPr>
+              <a:t>영상처리한 사람의 인원 수 정보 데이터 요청</a:t>
+            </a:r>
+          </a:p>
+          <a:p>
+            <a:pPr lvl="0" algn="ctr">
+              <a:defRPr/>
+            </a:pPr>
+            <a:r>
+              <a:rPr lang="en-US" altLang="ko-KR" sz="1400" b="1" dirty="0">
+                <a:solidFill>
+                  <a:prstClr val="black"/>
+                </a:solidFill>
+              </a:rPr>
+              <a:t>4. </a:t>
+            </a:r>
+            <a:r>
+              <a:rPr lang="ko-KR" altLang="en-US" sz="1400" b="1" dirty="0">
+                <a:solidFill>
+                  <a:prstClr val="black"/>
+                </a:solidFill>
+              </a:rPr>
+              <a:t>데이터 전달</a:t>
+            </a:r>
+            <a:r>
+              <a:rPr lang="en-US" altLang="ko-KR" sz="1400" b="1" dirty="0">
+                <a:solidFill>
+                  <a:prstClr val="black"/>
+                </a:solidFill>
+              </a:rPr>
+              <a:t>(</a:t>
+            </a:r>
+            <a:r>
+              <a:rPr lang="ko-KR" altLang="en-US" sz="1400" b="1" dirty="0" err="1">
+                <a:solidFill>
+                  <a:prstClr val="black"/>
+                </a:solidFill>
+              </a:rPr>
+              <a:t>라즈베리파이</a:t>
+            </a:r>
+            <a:r>
+              <a:rPr lang="en-US" altLang="ko-KR" sz="1400" b="1" dirty="0">
+                <a:solidFill>
+                  <a:prstClr val="black"/>
+                </a:solidFill>
+              </a:rPr>
+              <a:t>) : </a:t>
+            </a:r>
+            <a:r>
+              <a:rPr lang="ko-KR" altLang="en-US" sz="1400" b="1" dirty="0">
+                <a:solidFill>
+                  <a:prstClr val="black"/>
+                </a:solidFill>
+              </a:rPr>
+              <a:t>요청한 데이터 </a:t>
+            </a:r>
+            <a:r>
+              <a:rPr lang="en-US" altLang="ko-KR" sz="1400" b="1" dirty="0">
+                <a:solidFill>
+                  <a:prstClr val="black"/>
+                </a:solidFill>
+              </a:rPr>
+              <a:t>DB</a:t>
+            </a:r>
+            <a:r>
+              <a:rPr lang="ko-KR" altLang="en-US" sz="1400" b="1" dirty="0">
+                <a:solidFill>
+                  <a:prstClr val="black"/>
+                </a:solidFill>
+              </a:rPr>
+              <a:t>로 전달</a:t>
+            </a:r>
+          </a:p>
+          <a:p>
+            <a:pPr lvl="0" algn="ctr">
+              <a:defRPr/>
+            </a:pPr>
+            <a:r>
+              <a:rPr lang="en-US" altLang="ko-KR" sz="1400" b="1" dirty="0">
+                <a:solidFill>
+                  <a:prstClr val="black"/>
+                </a:solidFill>
+              </a:rPr>
+              <a:t>5. </a:t>
+            </a:r>
+            <a:r>
+              <a:rPr lang="ko-KR" altLang="en-US" sz="1400" b="1" dirty="0">
+                <a:solidFill>
+                  <a:prstClr val="black"/>
+                </a:solidFill>
+              </a:rPr>
+              <a:t>데이터 요청</a:t>
+            </a:r>
+            <a:r>
+              <a:rPr lang="en-US" altLang="ko-KR" sz="1400" b="1" dirty="0">
+                <a:solidFill>
+                  <a:prstClr val="black"/>
+                </a:solidFill>
+              </a:rPr>
+              <a:t>(</a:t>
+            </a:r>
+            <a:r>
+              <a:rPr lang="ko-KR" altLang="en-US" sz="1400" b="1" dirty="0">
+                <a:solidFill>
+                  <a:prstClr val="black"/>
+                </a:solidFill>
+              </a:rPr>
+              <a:t>앱</a:t>
+            </a:r>
+            <a:r>
+              <a:rPr lang="en-US" altLang="ko-KR" sz="1400" b="1" dirty="0">
+                <a:solidFill>
+                  <a:prstClr val="black"/>
+                </a:solidFill>
+              </a:rPr>
+              <a:t>) : </a:t>
+            </a:r>
+            <a:r>
+              <a:rPr lang="ko-KR" altLang="en-US" sz="1400" b="1" dirty="0">
+                <a:solidFill>
+                  <a:prstClr val="black"/>
+                </a:solidFill>
+              </a:rPr>
+              <a:t>서버에 있는 데이터를 앱에서 요청</a:t>
+            </a:r>
+          </a:p>
+          <a:p>
+            <a:pPr lvl="0" algn="ctr">
+              <a:defRPr/>
+            </a:pPr>
+            <a:r>
+              <a:rPr lang="en-US" altLang="ko-KR" sz="1400" b="1" dirty="0">
+                <a:solidFill>
+                  <a:prstClr val="black"/>
+                </a:solidFill>
+              </a:rPr>
+              <a:t>6. </a:t>
+            </a:r>
+            <a:r>
+              <a:rPr lang="ko-KR" altLang="en-US" sz="1400" b="1" dirty="0">
+                <a:solidFill>
+                  <a:prstClr val="black"/>
+                </a:solidFill>
+              </a:rPr>
+              <a:t>데이터 전달</a:t>
+            </a:r>
+            <a:r>
+              <a:rPr lang="en-US" altLang="ko-KR" sz="1400" b="1" dirty="0">
+                <a:solidFill>
+                  <a:prstClr val="black"/>
+                </a:solidFill>
+              </a:rPr>
+              <a:t>(</a:t>
+            </a:r>
+            <a:r>
+              <a:rPr lang="ko-KR" altLang="en-US" sz="1400" b="1" dirty="0">
+                <a:solidFill>
+                  <a:prstClr val="black"/>
+                </a:solidFill>
+              </a:rPr>
+              <a:t>서버</a:t>
+            </a:r>
+            <a:r>
+              <a:rPr lang="en-US" altLang="ko-KR" sz="1400" b="1" dirty="0">
+                <a:solidFill>
+                  <a:prstClr val="black"/>
+                </a:solidFill>
+              </a:rPr>
+              <a:t>) : </a:t>
+            </a:r>
+            <a:r>
+              <a:rPr lang="ko-KR" altLang="en-US" sz="1400" b="1" dirty="0">
+                <a:solidFill>
+                  <a:prstClr val="black"/>
+                </a:solidFill>
+              </a:rPr>
+              <a:t>데이터를 앱으로 전달</a:t>
             </a:r>
           </a:p>
           <a:p>
@@ -7718,219 +8278,7 @@
             </a:r>
           </a:p>
           <a:p>
-            <a:pPr lvl="0" algn="ctr">
-              <a:defRPr/>
-            </a:pPr>
-            <a:r>
-              <a:rPr lang="en-US" altLang="ko-KR" sz="1400" b="1" dirty="0">
-                <a:solidFill>
-                  <a:prstClr val="black"/>
-                </a:solidFill>
-              </a:rPr>
-              <a:t>1. </a:t>
-            </a:r>
-            <a:r>
-              <a:rPr lang="ko-KR" altLang="en-US" sz="1400" b="1" dirty="0">
-                <a:solidFill>
-                  <a:prstClr val="black"/>
-                </a:solidFill>
-              </a:rPr>
-              <a:t>데이터 요청</a:t>
-            </a:r>
-            <a:r>
-              <a:rPr lang="en-US" altLang="ko-KR" sz="1400" b="1" dirty="0">
-                <a:solidFill>
-                  <a:prstClr val="black"/>
-                </a:solidFill>
-              </a:rPr>
-              <a:t>(</a:t>
-            </a:r>
-            <a:r>
-              <a:rPr lang="ko-KR" altLang="en-US" sz="1400" b="1" dirty="0">
-                <a:solidFill>
-                  <a:prstClr val="black"/>
-                </a:solidFill>
-              </a:rPr>
-              <a:t>서버</a:t>
-            </a:r>
-            <a:r>
-              <a:rPr lang="en-US" altLang="ko-KR" sz="1400" b="1" dirty="0">
-                <a:solidFill>
-                  <a:prstClr val="black"/>
-                </a:solidFill>
-              </a:rPr>
-              <a:t>) : </a:t>
-            </a:r>
-            <a:r>
-              <a:rPr lang="ko-KR" altLang="en-US" sz="1400" b="1" dirty="0">
-                <a:solidFill>
-                  <a:prstClr val="black"/>
-                </a:solidFill>
-              </a:rPr>
-              <a:t>영상처리한 사람의 인원 수 정보 데이터 요청</a:t>
-            </a:r>
-          </a:p>
-          <a:p>
-            <a:pPr lvl="0" algn="ctr">
-              <a:defRPr/>
-            </a:pPr>
-            <a:r>
-              <a:rPr lang="en-US" altLang="ko-KR" sz="1400" b="1" dirty="0">
-                <a:solidFill>
-                  <a:prstClr val="black"/>
-                </a:solidFill>
-              </a:rPr>
-              <a:t>2. </a:t>
-            </a:r>
-            <a:r>
-              <a:rPr lang="ko-KR" altLang="en-US" sz="1400" b="1" dirty="0">
-                <a:solidFill>
-                  <a:prstClr val="black"/>
-                </a:solidFill>
-              </a:rPr>
-              <a:t>데이터 전달</a:t>
-            </a:r>
-            <a:r>
-              <a:rPr lang="en-US" altLang="ko-KR" sz="1400" b="1" dirty="0">
-                <a:solidFill>
-                  <a:prstClr val="black"/>
-                </a:solidFill>
-              </a:rPr>
-              <a:t>(</a:t>
-            </a:r>
-            <a:r>
-              <a:rPr lang="ko-KR" altLang="en-US" sz="1400" b="1" dirty="0" err="1">
-                <a:solidFill>
-                  <a:prstClr val="black"/>
-                </a:solidFill>
-              </a:rPr>
-              <a:t>라즈베리파이</a:t>
-            </a:r>
-            <a:r>
-              <a:rPr lang="en-US" altLang="ko-KR" sz="1400" b="1" dirty="0">
-                <a:solidFill>
-                  <a:prstClr val="black"/>
-                </a:solidFill>
-              </a:rPr>
-              <a:t>) : </a:t>
-            </a:r>
-            <a:r>
-              <a:rPr lang="ko-KR" altLang="en-US" sz="1400" b="1" dirty="0">
-                <a:solidFill>
-                  <a:prstClr val="black"/>
-                </a:solidFill>
-              </a:rPr>
-              <a:t>요청한 데이터 서버로 전달</a:t>
-            </a:r>
-          </a:p>
-          <a:p>
-            <a:pPr lvl="0" algn="ctr">
-              <a:defRPr/>
-            </a:pPr>
-            <a:r>
-              <a:rPr lang="en-US" altLang="ko-KR" sz="1400" b="1" dirty="0">
-                <a:solidFill>
-                  <a:prstClr val="black"/>
-                </a:solidFill>
-              </a:rPr>
-              <a:t>3. </a:t>
-            </a:r>
-            <a:r>
-              <a:rPr lang="ko-KR" altLang="en-US" sz="1400" b="1" dirty="0">
-                <a:solidFill>
-                  <a:prstClr val="black"/>
-                </a:solidFill>
-              </a:rPr>
-              <a:t>데이터 요청</a:t>
-            </a:r>
-            <a:r>
-              <a:rPr lang="en-US" altLang="ko-KR" sz="1400" b="1" dirty="0">
-                <a:solidFill>
-                  <a:prstClr val="black"/>
-                </a:solidFill>
-              </a:rPr>
-              <a:t>(</a:t>
-            </a:r>
-            <a:r>
-              <a:rPr lang="ko-KR" altLang="en-US" sz="1400" b="1" dirty="0">
-                <a:solidFill>
-                  <a:prstClr val="black"/>
-                </a:solidFill>
-              </a:rPr>
-              <a:t>앱</a:t>
-            </a:r>
-            <a:r>
-              <a:rPr lang="en-US" altLang="ko-KR" sz="1400" b="1" dirty="0">
-                <a:solidFill>
-                  <a:prstClr val="black"/>
-                </a:solidFill>
-              </a:rPr>
-              <a:t>) : </a:t>
-            </a:r>
-            <a:r>
-              <a:rPr lang="ko-KR" altLang="en-US" sz="1400" b="1" dirty="0">
-                <a:solidFill>
-                  <a:prstClr val="black"/>
-                </a:solidFill>
-              </a:rPr>
-              <a:t>서버에 있는 데이터를 앱에서 요청</a:t>
-            </a:r>
-          </a:p>
-          <a:p>
-            <a:pPr lvl="0" algn="ctr">
-              <a:defRPr/>
-            </a:pPr>
-            <a:r>
-              <a:rPr lang="en-US" altLang="ko-KR" sz="1400" b="1" dirty="0">
-                <a:solidFill>
-                  <a:prstClr val="black"/>
-                </a:solidFill>
-              </a:rPr>
-              <a:t>4. </a:t>
-            </a:r>
-            <a:r>
-              <a:rPr lang="ko-KR" altLang="en-US" sz="1400" b="1" dirty="0">
-                <a:solidFill>
-                  <a:prstClr val="black"/>
-                </a:solidFill>
-              </a:rPr>
-              <a:t>데이터 전달</a:t>
-            </a:r>
-            <a:r>
-              <a:rPr lang="en-US" altLang="ko-KR" sz="1400" b="1" dirty="0">
-                <a:solidFill>
-                  <a:prstClr val="black"/>
-                </a:solidFill>
-              </a:rPr>
-              <a:t>(</a:t>
-            </a:r>
-            <a:r>
-              <a:rPr lang="ko-KR" altLang="en-US" sz="1400" b="1" dirty="0">
-                <a:solidFill>
-                  <a:prstClr val="black"/>
-                </a:solidFill>
-              </a:rPr>
-              <a:t>서버</a:t>
-            </a:r>
-            <a:r>
-              <a:rPr lang="en-US" altLang="ko-KR" sz="1400" b="1" dirty="0">
-                <a:solidFill>
-                  <a:prstClr val="black"/>
-                </a:solidFill>
-              </a:rPr>
-              <a:t>) : </a:t>
-            </a:r>
-            <a:r>
-              <a:rPr lang="ko-KR" altLang="en-US" sz="1400" b="1" dirty="0">
-                <a:solidFill>
-                  <a:prstClr val="black"/>
-                </a:solidFill>
-              </a:rPr>
-              <a:t>데이터를 앱으로 전달</a:t>
-            </a:r>
-          </a:p>
-          <a:p>
-            <a:pPr marL="0" marR="0" lvl="0" indent="0" algn="ctr" defTabSz="914400" rtl="0" eaLnBrk="1" fontAlgn="auto" latinLnBrk="1" hangingPunct="1">
+            <a:pPr marL="342900" marR="0" lvl="0" indent="-342900" algn="ctr" defTabSz="914400" rtl="0" eaLnBrk="1" fontAlgn="auto" latinLnBrk="1" hangingPunct="1">
               <a:lnSpc>
                 <a:spcPct val="100000"/>
               </a:lnSpc>
@@ -7943,23 +8291,56 @@
               <a:buClrTx/>
               <a:buSzTx/>
               <a:buFontTx/>
-              <a:buNone/>
+              <a:buAutoNum type="arabicPeriod"/>
               <a:tabLst/>
               <a:defRPr/>
             </a:pPr>
-            <a:endParaRPr kumimoji="0" lang="ko-KR" altLang="en-US" sz="1400" b="1" i="0" u="none" strike="noStrike" kern="1200" cap="none" spc="0" normalizeH="0" baseline="0" noProof="0" dirty="0">
-              <a:ln>
-                <a:noFill/>
-              </a:ln>
+            <a:r>
+              <a:rPr lang="en-US" altLang="ko-KR" sz="1400" b="1" dirty="0">
+                <a:solidFill>
+                  <a:prstClr val="black"/>
+                </a:solidFill>
+                <a:latin typeface="맑은 고딕"/>
+                <a:ea typeface="맑은 고딕" panose="020B0503020000020004" pitchFamily="50" charset="-127"/>
+              </a:rPr>
+              <a:t>Android Application : </a:t>
+            </a:r>
+            <a:r>
+              <a:rPr lang="ko-KR" altLang="en-US" sz="1400" b="1" dirty="0">
+                <a:solidFill>
+                  <a:prstClr val="black"/>
+                </a:solidFill>
+                <a:latin typeface="맑은 고딕"/>
+                <a:ea typeface="맑은 고딕" panose="020B0503020000020004" pitchFamily="50" charset="-127"/>
+              </a:rPr>
+              <a:t>영상처리한 대기인원 수를 </a:t>
+            </a:r>
+            <a:r>
+              <a:rPr lang="en-US" altLang="ko-KR" sz="1400" b="1" dirty="0">
+                <a:solidFill>
+                  <a:prstClr val="black"/>
+                </a:solidFill>
+                <a:latin typeface="맑은 고딕"/>
+                <a:ea typeface="맑은 고딕" panose="020B0503020000020004" pitchFamily="50" charset="-127"/>
+              </a:rPr>
+              <a:t>App</a:t>
+            </a:r>
+            <a:r>
+              <a:rPr lang="ko-KR" altLang="en-US" sz="1400" b="1" dirty="0">
+                <a:solidFill>
+                  <a:prstClr val="black"/>
+                </a:solidFill>
+                <a:latin typeface="맑은 고딕"/>
+                <a:ea typeface="맑은 고딕" panose="020B0503020000020004" pitchFamily="50" charset="-127"/>
+              </a:rPr>
+              <a:t>에 표기</a:t>
+            </a:r>
+            <a:endParaRPr lang="en-US" altLang="ko-KR" sz="1400" b="1" dirty="0">
               <a:solidFill>
                 <a:prstClr val="black"/>
               </a:solidFill>
-              <a:effectLst/>
-              <a:uLnTx/>
-              <a:uFillTx/>
               <a:latin typeface="맑은 고딕"/>
               <a:ea typeface="맑은 고딕" panose="020B0503020000020004" pitchFamily="50" charset="-127"/>
-              <a:cs typeface="+mn-cs"/>
             </a:endParaRPr>
           </a:p>
         </p:txBody>
@@ -8149,214 +8530,6 @@
       </p:sp>
       <p:pic>
         <p:nvPicPr>
-          <p:cNvPr id="20" name="그림 19">
-            <a:extLst>
-              <a:ext uri="{FF2B5EF4-FFF2-40B4-BE49-F238E27FC236}">
-                <a16:creationId xmlns:a16="http://schemas.microsoft.com/office/drawing/2014/main" id="{C41B2D19-9248-41E0-92F3-E00708BA4F80}"/>
-              </a:ext>
-            </a:extLst>
-          </p:cNvPr>
-          <p:cNvPicPr>
-            <a:picLocks noChangeAspect="1"/>
-          </p:cNvPicPr>
-          <p:nvPr/>
-        </p:nvPicPr>
-        <p:blipFill>
-          <a:blip r:embed="rId6"/>
-          <a:stretch>
-            <a:fillRect/>
-          </a:stretch>
-        </p:blipFill>
-        <p:spPr>
-          <a:xfrm>
-            <a:off x="1819570" y="3181889"/>
-            <a:ext cx="783500" cy="184475"/>
-          </a:xfrm>
-          <a:prstGeom prst="rect">
-            <a:avLst/>
-          </a:prstGeom>
-        </p:spPr>
-      </p:pic>
-      <p:grpSp>
-        <p:nvGrpSpPr>
-          <p:cNvPr id="23" name="그룹 22">
-            <a:extLst>
-              <a:ext uri="{FF2B5EF4-FFF2-40B4-BE49-F238E27FC236}">
-                <a16:creationId xmlns:a16="http://schemas.microsoft.com/office/drawing/2014/main" id="{7656CE79-E3B6-4BB2-8A2F-902B11E26EA1}"/>
-              </a:ext>
-            </a:extLst>
-          </p:cNvPr>
-          <p:cNvGrpSpPr/>
-          <p:nvPr/>
-        </p:nvGrpSpPr>
-        <p:grpSpPr>
-          <a:xfrm>
-            <a:off x="1927267" y="3435129"/>
-            <a:ext cx="568106" cy="439965"/>
-            <a:chOff x="8199016" y="2427174"/>
-            <a:chExt cx="2154475" cy="2043695"/>
-          </a:xfrm>
-        </p:grpSpPr>
-        <p:grpSp>
-          <p:nvGrpSpPr>
-            <p:cNvPr id="24" name="그룹 23">
-              <a:extLst>
-                <a:ext uri="{FF2B5EF4-FFF2-40B4-BE49-F238E27FC236}">
-                  <a16:creationId xmlns:a16="http://schemas.microsoft.com/office/drawing/2014/main" id="{5770EB7D-EC93-47A7-A489-60BEE4C7FC5C}"/>
-                </a:ext>
-              </a:extLst>
-            </p:cNvPr>
-            <p:cNvGrpSpPr/>
-            <p:nvPr/>
-          </p:nvGrpSpPr>
-          <p:grpSpPr>
-            <a:xfrm>
-              <a:off x="8199016" y="2427174"/>
-              <a:ext cx="2154475" cy="2043695"/>
-              <a:chOff x="8719531" y="2586456"/>
-              <a:chExt cx="1633960" cy="1624526"/>
-            </a:xfrm>
-          </p:grpSpPr>
-          <p:sp>
-            <p:nvSpPr>
-              <p:cNvPr id="27" name="사각형: 둥근 모서리 26">
-                <a:extLst>
-                  <a:ext uri="{FF2B5EF4-FFF2-40B4-BE49-F238E27FC236}">
-                    <a16:creationId xmlns:a16="http://schemas.microsoft.com/office/drawing/2014/main" id="{AD4541CD-9632-46AD-BF04-90CB7D569D17}"/>
-                  </a:ext>
-                </a:extLst>
-              </p:cNvPr>
-              <p:cNvSpPr/>
-              <p:nvPr/>
-            </p:nvSpPr>
-            <p:spPr>
-              <a:xfrm>
-                <a:off x="8719531" y="2866390"/>
-                <a:ext cx="1633960" cy="1344592"/>
-              </a:xfrm>
-              <a:prstGeom prst="roundRect">
-                <a:avLst/>
-              </a:prstGeom>
-              <a:noFill/>
-              <a:ln w="38100" cap="flat" cmpd="sng" algn="ctr">
-                <a:solidFill>
-                  <a:sysClr val="windowText" lastClr="000000"/>
-                </a:solidFill>
-                <a:prstDash val="solid"/>
-                <a:miter lim="800000"/>
-              </a:ln>
-              <a:effectLst/>
-            </p:spPr>
-            <p:txBody>
-              <a:bodyPr rtlCol="0" anchor="ctr"/>
-              <a:lstStyle/>
-              <a:p>
-                <a:pPr marL="0" marR="0" lvl="0" indent="0" algn="ctr" defTabSz="914400" eaLnBrk="1" fontAlgn="auto" latinLnBrk="0" hangingPunct="1">
-                  <a:lnSpc>
-                    <a:spcPct val="100000"/>
-                  </a:lnSpc>
-                  <a:spcBef>
-                    <a:spcPts val="0"/>
-                  </a:spcBef>
-                  <a:spcAft>
-                    <a:spcPts val="0"/>
-                  </a:spcAft>
-                  <a:buClrTx/>
-                  <a:buSzTx/>
-                  <a:buFontTx/>
-                  <a:buNone/>
-                  <a:tabLst/>
-                  <a:defRPr/>
-                </a:pPr>
-                <a:endParaRPr kumimoji="0" lang="ko-KR" altLang="en-US" sz="1800" b="0" i="0" u="none" strike="noStrike" kern="0" cap="none" spc="0" normalizeH="0" baseline="0" noProof="0">
-                  <a:ln>
-                    <a:noFill/>
-                  </a:ln>
-                  <a:solidFill>
-                    <a:prstClr val="white"/>
-                  </a:solidFill>
-                  <a:effectLst/>
-                  <a:uLnTx/>
-                  <a:uFillTx/>
-                  <a:latin typeface="맑은 고딕" panose="020F0502020204030204"/>
-                  <a:ea typeface="맑은 고딕" panose="020B0503020000020004" pitchFamily="50" charset="-127"/>
-                  <a:cs typeface="+mn-cs"/>
-                </a:endParaRPr>
-              </a:p>
-            </p:txBody>
-          </p:sp>
-          <p:pic>
-            <p:nvPicPr>
-              <p:cNvPr id="31" name="그림 30">
-                <a:extLst>
-                  <a:ext uri="{FF2B5EF4-FFF2-40B4-BE49-F238E27FC236}">
-                    <a16:creationId xmlns:a16="http://schemas.microsoft.com/office/drawing/2014/main" id="{426D894C-B38B-468E-9D29-4AA5FA5EF37D}"/>
-                  </a:ext>
-                </a:extLst>
-              </p:cNvPr>
-              <p:cNvPicPr>
-                <a:picLocks noChangeAspect="1"/>
-              </p:cNvPicPr>
-              <p:nvPr/>
-            </p:nvPicPr>
-            <p:blipFill rotWithShape="1">
-              <a:blip r:embed="rId7"/>
-              <a:srcRect t="18042" b="17115"/>
-              <a:stretch/>
-            </p:blipFill>
-            <p:spPr>
-              <a:xfrm>
-                <a:off x="8912971" y="2586456"/>
-                <a:ext cx="1202857" cy="637713"/>
-              </a:xfrm>
-              <a:prstGeom prst="rect">
-                <a:avLst/>
-              </a:prstGeom>
-            </p:spPr>
-          </p:pic>
-        </p:grpSp>
-        <p:pic>
-          <p:nvPicPr>
-            <p:cNvPr id="26" name="그래픽 25" descr="문서">
-              <a:extLst>
-                <a:ext uri="{FF2B5EF4-FFF2-40B4-BE49-F238E27FC236}">
-                  <a16:creationId xmlns:a16="http://schemas.microsoft.com/office/drawing/2014/main" id="{31B8E6B8-590D-4E24-AAD4-603168D1D2A9}"/>
-                </a:ext>
-              </a:extLst>
-            </p:cNvPr>
-            <p:cNvPicPr>
-              <a:picLocks noChangeAspect="1"/>
-            </p:cNvPicPr>
-            <p:nvPr/>
-          </p:nvPicPr>
-          <p:blipFill>
-            <a:blip r:embed="rId8" cstate="print">
-              <a:extLst>
-                <a:ext uri="{28A0092B-C50C-407E-A947-70E740481C1C}">
-                  <a14:useLocalDpi xmlns:a14="http://schemas.microsoft.com/office/drawing/2010/main" val="0"/>
-                </a:ext>
-                <a:ext uri="{96DAC541-7B7A-43D3-8B79-37D633B846F1}">
-                  <asvg:svgBlip xmlns:asvg="http://schemas.microsoft.com/office/drawing/2016/SVG/main" r:embed="rId9"/>
-                </a:ext>
-              </a:extLst>
-            </a:blip>
-            <a:stretch>
-              <a:fillRect/>
-            </a:stretch>
-          </p:blipFill>
-          <p:spPr>
-            <a:xfrm>
-              <a:off x="8850851" y="3196096"/>
-              <a:ext cx="914400" cy="914400"/>
-            </a:xfrm>
-            <a:prstGeom prst="rect">
-              <a:avLst/>
-            </a:prstGeom>
-          </p:spPr>
-        </p:pic>
-      </p:grpSp>
-      <p:pic>
-        <p:nvPicPr>
           <p:cNvPr id="33" name="Picture 16" descr="exoplayerì ëí ì´ë¯¸ì§ ê²ìê²°ê³¼">
             <a:extLst>
               <a:ext uri="{FF2B5EF4-FFF2-40B4-BE49-F238E27FC236}">
@@ -8370,7 +8543,7 @@
           <p:nvPr/>
         </p:nvPicPr>
         <p:blipFill rotWithShape="1">
-          <a:blip r:embed="rId10" cstate="print">
+          <a:blip r:embed="rId6" cstate="print">
             <a:extLst>
               <a:ext uri="{28A0092B-C50C-407E-A947-70E740481C1C}">
                 <a14:useLocalDpi xmlns:a14="http://schemas.microsoft.com/office/drawing/2010/main" val="0"/>
@@ -8382,8 +8555,8 @@
         </p:blipFill>
         <p:spPr bwMode="auto">
           <a:xfrm>
-            <a:off x="3415435" y="3456449"/>
-            <a:ext cx="690223" cy="444905"/>
+            <a:off x="3352790" y="3483982"/>
+            <a:ext cx="725699" cy="444905"/>
           </a:xfrm>
           <a:prstGeom prst="rect">
             <a:avLst/>
@@ -8412,14 +8585,14 @@
           <p:cNvCxnSpPr>
             <a:cxnSpLocks/>
             <a:stCxn id="17" idx="3"/>
-            <a:endCxn id="27" idx="1"/>
+            <a:endCxn id="2" idx="1"/>
           </p:cNvCxnSpPr>
           <p:nvPr/>
         </p:nvCxnSpPr>
         <p:spPr>
-          <a:xfrm flipV="1">
-            <a:off x="1078307" y="3693019"/>
-            <a:ext cx="848960" cy="13416"/>
+          <a:xfrm>
+            <a:off x="1078307" y="3706435"/>
+            <a:ext cx="785173" cy="0"/>
           </a:xfrm>
           <a:prstGeom prst="straightConnector1">
             <a:avLst/>
@@ -8447,15 +8620,15 @@
           </p:cNvPr>
           <p:cNvCxnSpPr>
             <a:cxnSpLocks/>
-            <a:stCxn id="27" idx="3"/>
+            <a:stCxn id="2" idx="3"/>
             <a:endCxn id="33" idx="1"/>
           </p:cNvCxnSpPr>
           <p:nvPr/>
         </p:nvCxnSpPr>
         <p:spPr>
-          <a:xfrm flipV="1">
-            <a:off x="2495373" y="3678902"/>
-            <a:ext cx="920062" cy="14117"/>
+          <a:xfrm>
+            <a:off x="2559161" y="3706435"/>
+            <a:ext cx="793629" cy="0"/>
           </a:xfrm>
           <a:prstGeom prst="straightConnector1">
             <a:avLst/>
@@ -8472,6 +8645,78 @@
           <a:effectLst/>
         </p:spPr>
       </p:cxnSp>
+      <p:pic>
+        <p:nvPicPr>
+          <p:cNvPr id="2" name="그림 1">
+            <a:extLst>
+              <a:ext uri="{FF2B5EF4-FFF2-40B4-BE49-F238E27FC236}">
+                <a16:creationId xmlns:a16="http://schemas.microsoft.com/office/drawing/2014/main" id="{150CB9D7-6A71-49DC-BF71-89124B579C51}"/>
+              </a:ext>
+            </a:extLst>
+          </p:cNvPr>
+          <p:cNvPicPr>
+            <a:picLocks noChangeAspect="1"/>
+          </p:cNvPicPr>
+          <p:nvPr/>
+        </p:nvPicPr>
+        <p:blipFill>
+          <a:blip r:embed="rId7" cstate="print">
+            <a:extLst>
+              <a:ext uri="{28A0092B-C50C-407E-A947-70E740481C1C}">
+                <a14:useLocalDpi xmlns:a14="http://schemas.microsoft.com/office/drawing/2010/main" val="0"/>
+              </a:ext>
+            </a:extLst>
+          </a:blip>
+          <a:stretch>
+            <a:fillRect/>
+          </a:stretch>
+        </p:blipFill>
+        <p:spPr>
+          <a:xfrm>
+            <a:off x="1863480" y="3506571"/>
+            <a:ext cx="695681" cy="399728"/>
+          </a:xfrm>
+          <a:prstGeom prst="rect">
+            <a:avLst/>
+          </a:prstGeom>
+        </p:spPr>
+      </p:pic>
+      <p:pic>
+        <p:nvPicPr>
+          <p:cNvPr id="9" name="그림 8">
+            <a:extLst>
+              <a:ext uri="{FF2B5EF4-FFF2-40B4-BE49-F238E27FC236}">
+                <a16:creationId xmlns:a16="http://schemas.microsoft.com/office/drawing/2014/main" id="{A1C61C01-D8F5-4BEC-9833-5180B5ED1EFD}"/>
+              </a:ext>
+            </a:extLst>
+          </p:cNvPr>
+          <p:cNvPicPr>
+            <a:picLocks noChangeAspect="1"/>
+          </p:cNvPicPr>
+          <p:nvPr/>
+        </p:nvPicPr>
+        <p:blipFill>
+          <a:blip r:embed="rId8" cstate="print">
+            <a:extLst>
+              <a:ext uri="{28A0092B-C50C-407E-A947-70E740481C1C}">
+                <a14:useLocalDpi xmlns:a14="http://schemas.microsoft.com/office/drawing/2010/main" val="0"/>
+              </a:ext>
+            </a:extLst>
+          </a:blip>
+          <a:stretch>
+            <a:fillRect/>
+          </a:stretch>
+        </p:blipFill>
+        <p:spPr>
+          <a:xfrm>
+            <a:off x="1945017" y="3104784"/>
+            <a:ext cx="532605" cy="294845"/>
+          </a:xfrm>
+          <a:prstGeom prst="rect">
+            <a:avLst/>
+          </a:prstGeom>
+        </p:spPr>
+      </p:pic>
     </p:spTree>
     <p:extLst>
       <p:ext uri="{BB962C8B-B14F-4D97-AF65-F5344CB8AC3E}">
@@ -12400,94 +12645,6 @@
               </a:solidFill>
               <a:latin typeface="+mj-lt"/>
             </a:endParaRPr>
-          </a:p>
-        </p:txBody>
-      </p:sp>
-      <p:pic>
-        <p:nvPicPr>
-          <p:cNvPr id="3" name="그림 2"/>
-          <p:cNvPicPr>
-            <a:picLocks noChangeAspect="1"/>
-          </p:cNvPicPr>
-          <p:nvPr/>
-        </p:nvPicPr>
-        <p:blipFill>
-          <a:blip r:embed="rId4">
-            <a:extLst>
-              <a:ext uri="{28A0092B-C50C-407E-A947-70E740481C1C}">
-                <a14:useLocalDpi xmlns:a14="http://schemas.microsoft.com/office/drawing/2010/main" val="0"/>
-              </a:ext>
-            </a:extLst>
-          </a:blip>
-          <a:srcRect/>
-          <a:stretch/>
-        </p:blipFill>
-        <p:spPr>
-          <a:xfrm>
-            <a:off x="668369" y="2109177"/>
-            <a:ext cx="7248662" cy="4247173"/>
-          </a:xfrm>
-          <a:prstGeom prst="rect">
-            <a:avLst/>
-          </a:prstGeom>
-        </p:spPr>
-      </p:pic>
-      <p:sp>
-        <p:nvSpPr>
-          <p:cNvPr id="5" name="TextBox 4">
-            <a:extLst>
-              <a:ext uri="{FF2B5EF4-FFF2-40B4-BE49-F238E27FC236}">
-                <a16:creationId xmlns:a16="http://schemas.microsoft.com/office/drawing/2014/main" id="{4E1DAFD7-5AA4-4DF0-BBE4-060C369BDF3F}"/>
-              </a:ext>
-            </a:extLst>
-          </p:cNvPr>
-          <p:cNvSpPr txBox="1"/>
-          <p:nvPr/>
-        </p:nvSpPr>
-        <p:spPr>
-          <a:xfrm>
-            <a:off x="323528" y="1175040"/>
-            <a:ext cx="7593503" cy="646331"/>
-          </a:xfrm>
-          <a:prstGeom prst="rect">
-            <a:avLst/>
-          </a:prstGeom>
-          <a:noFill/>
-        </p:spPr>
-        <p:txBody>
-          <a:bodyPr wrap="square" rtlCol="0">
-            <a:spAutoFit/>
-          </a:bodyPr>
-          <a:lstStyle/>
-          <a:p>
-            <a:r>
-              <a:rPr lang="ko-KR" altLang="en-US" dirty="0"/>
-              <a:t>신청한 공공데이터 포털의 </a:t>
-            </a:r>
-            <a:r>
-              <a:rPr lang="en-US" altLang="ko-KR" dirty="0"/>
-              <a:t>xml </a:t>
-            </a:r>
-            <a:r>
-              <a:rPr lang="ko-KR" altLang="en-US" dirty="0"/>
-              <a:t>파일을 </a:t>
-            </a:r>
-            <a:r>
-              <a:rPr lang="en-US" altLang="ko-KR" dirty="0"/>
-              <a:t>Android studio </a:t>
-            </a:r>
-            <a:r>
-              <a:rPr lang="ko-KR" altLang="en-US" dirty="0"/>
-              <a:t>에서 사용하기위해 </a:t>
-            </a:r>
-            <a:r>
-              <a:rPr lang="en-US" altLang="ko-KR" dirty="0"/>
-              <a:t>Parsing </a:t>
-            </a:r>
-            <a:r>
-              <a:rPr lang="ko-KR" altLang="en-US" dirty="0"/>
-              <a:t>하는 메인 코드</a:t>
-            </a:r>
           </a:p>
         </p:txBody>
       </p:sp>

--- a/중간보고서/중간보고서_채민.pptx
+++ b/중간보고서/중간보고서_채민.pptx
@@ -5,7 +5,7 @@
     <p:sldMasterId id="2147483648" r:id="rId1"/>
   </p:sldMasterIdLst>
   <p:notesMasterIdLst>
-    <p:notesMasterId r:id="rId12"/>
+    <p:notesMasterId r:id="rId13"/>
   </p:notesMasterIdLst>
   <p:sldIdLst>
     <p:sldId id="322" r:id="rId2"/>
@@ -18,6 +18,7 @@
     <p:sldId id="382" r:id="rId9"/>
     <p:sldId id="374" r:id="rId10"/>
     <p:sldId id="383" r:id="rId11"/>
+    <p:sldId id="384" r:id="rId12"/>
   </p:sldIdLst>
   <p:sldSz cx="9144000" cy="6858000" type="screen4x3"/>
   <p:notesSz cx="6858000" cy="9144000"/>
@@ -135,6 +136,7 @@
             <p14:sldId id="382"/>
             <p14:sldId id="374"/>
             <p14:sldId id="383"/>
+            <p14:sldId id="384"/>
           </p14:sldIdLst>
         </p14:section>
       </p14:sectionLst>
@@ -4038,7 +4040,7 @@
           <p:nvPr>
             <p:extLst>
               <p:ext uri="{D42A27DB-BD31-4B8C-83A1-F6EECF244321}">
-                <p14:modId xmlns:p14="http://schemas.microsoft.com/office/powerpoint/2010/main" val="912362117"/>
+                <p14:modId xmlns:p14="http://schemas.microsoft.com/office/powerpoint/2010/main" val="1175909881"/>
               </p:ext>
             </p:extLst>
           </p:nvPr>
@@ -5186,6 +5188,10 @@
                     <a:lstStyle/>
                     <a:p>
                       <a:pPr algn="ctr" latinLnBrk="1"/>
+                      <a:r>
+                        <a:rPr lang="en-US" altLang="ko-KR" sz="1200" dirty="0"/>
+                        <a:t>Server in IoT</a:t>
+                      </a:r>
                       <a:endParaRPr lang="ko-KR" altLang="en-US" sz="1200" dirty="0"/>
                     </a:p>
                   </a:txBody>
@@ -5197,7 +5203,10 @@
                     <a:lstStyle/>
                     <a:p>
                       <a:pPr algn="ctr" latinLnBrk="1"/>
-                      <a:endParaRPr lang="ko-KR" altLang="en-US" sz="1200" dirty="0"/>
+                      <a:r>
+                        <a:rPr lang="ko-KR" altLang="en-US" sz="1200" dirty="0"/>
+                        <a:t>데이터 보내기</a:t>
+                      </a:r>
                     </a:p>
                   </a:txBody>
                   <a:tcPr anchor="ctr"/>
@@ -5796,6 +5805,535 @@
     <p:extLst>
       <p:ext uri="{BB962C8B-B14F-4D97-AF65-F5344CB8AC3E}">
         <p14:creationId xmlns:p14="http://schemas.microsoft.com/office/powerpoint/2010/main" val="3039772014"/>
+      </p:ext>
+    </p:extLst>
+  </p:cSld>
+  <p:clrMapOvr>
+    <a:masterClrMapping/>
+  </p:clrMapOvr>
+</p:sld>
+</file>
+
+<file path=ppt/slides/slide11.xml><?xml version="1.0" encoding="utf-8"?>
+<p:sld xmlns:a="http://schemas.openxmlformats.org/drawingml/2006/main" xmlns:r="http://schemas.openxmlformats.org/officeDocument/2006/relationships" xmlns:p="http://schemas.openxmlformats.org/presentationml/2006/main">
+  <p:cSld>
+    <p:spTree>
+      <p:nvGrpSpPr>
+        <p:cNvPr id="1" name=""/>
+        <p:cNvGrpSpPr/>
+        <p:nvPr/>
+      </p:nvGrpSpPr>
+      <p:grpSpPr>
+        <a:xfrm>
+          <a:off x="0" y="0"/>
+          <a:ext cx="0" cy="0"/>
+          <a:chOff x="0" y="0"/>
+          <a:chExt cx="0" cy="0"/>
+        </a:xfrm>
+      </p:grpSpPr>
+      <p:sp>
+        <p:nvSpPr>
+          <p:cNvPr id="23" name="직사각형 22"/>
+          <p:cNvSpPr/>
+          <p:nvPr/>
+        </p:nvSpPr>
+        <p:spPr>
+          <a:xfrm>
+            <a:off x="107504" y="0"/>
+            <a:ext cx="3096344" cy="1124744"/>
+          </a:xfrm>
+          <a:prstGeom prst="rect">
+            <a:avLst/>
+          </a:prstGeom>
+          <a:solidFill>
+            <a:srgbClr val="3B5AA8"/>
+          </a:solidFill>
+          <a:ln>
+            <a:noFill/>
+          </a:ln>
+        </p:spPr>
+        <p:style>
+          <a:lnRef idx="2">
+            <a:schemeClr val="accent1">
+              <a:shade val="50000"/>
+            </a:schemeClr>
+          </a:lnRef>
+          <a:fillRef idx="1">
+            <a:schemeClr val="accent1"/>
+          </a:fillRef>
+          <a:effectRef idx="0">
+            <a:schemeClr val="accent1"/>
+          </a:effectRef>
+          <a:fontRef idx="minor">
+            <a:schemeClr val="lt1"/>
+          </a:fontRef>
+        </p:style>
+        <p:txBody>
+          <a:bodyPr rtlCol="0" anchor="ctr"/>
+          <a:lstStyle/>
+          <a:p>
+            <a:pPr algn="ctr"/>
+            <a:endParaRPr lang="ko-KR" altLang="en-US"/>
+          </a:p>
+        </p:txBody>
+      </p:sp>
+      <p:cxnSp>
+        <p:nvCxnSpPr>
+          <p:cNvPr id="24" name="직선 연결선 23"/>
+          <p:cNvCxnSpPr/>
+          <p:nvPr/>
+        </p:nvCxnSpPr>
+        <p:spPr>
+          <a:xfrm>
+            <a:off x="424356" y="541195"/>
+            <a:ext cx="2591728" cy="0"/>
+          </a:xfrm>
+          <a:prstGeom prst="line">
+            <a:avLst/>
+          </a:prstGeom>
+          <a:ln w="28575">
+            <a:solidFill>
+              <a:schemeClr val="bg1">
+                <a:lumMod val="95000"/>
+              </a:schemeClr>
+            </a:solidFill>
+          </a:ln>
+        </p:spPr>
+        <p:style>
+          <a:lnRef idx="1">
+            <a:schemeClr val="accent1"/>
+          </a:lnRef>
+          <a:fillRef idx="0">
+            <a:schemeClr val="accent1"/>
+          </a:fillRef>
+          <a:effectRef idx="0">
+            <a:schemeClr val="accent1"/>
+          </a:effectRef>
+          <a:fontRef idx="minor">
+            <a:schemeClr val="tx1"/>
+          </a:fontRef>
+        </p:style>
+      </p:cxnSp>
+      <p:cxnSp>
+        <p:nvCxnSpPr>
+          <p:cNvPr id="25" name="직선 연결선 24"/>
+          <p:cNvCxnSpPr/>
+          <p:nvPr/>
+        </p:nvCxnSpPr>
+        <p:spPr>
+          <a:xfrm>
+            <a:off x="3275856" y="548680"/>
+            <a:ext cx="5328592" cy="0"/>
+          </a:xfrm>
+          <a:prstGeom prst="line">
+            <a:avLst/>
+          </a:prstGeom>
+          <a:ln w="28575">
+            <a:solidFill>
+              <a:srgbClr val="3B5AA8"/>
+            </a:solidFill>
+          </a:ln>
+        </p:spPr>
+        <p:style>
+          <a:lnRef idx="1">
+            <a:schemeClr val="accent4"/>
+          </a:lnRef>
+          <a:fillRef idx="0">
+            <a:schemeClr val="accent4"/>
+          </a:fillRef>
+          <a:effectRef idx="0">
+            <a:schemeClr val="accent4"/>
+          </a:effectRef>
+          <a:fontRef idx="minor">
+            <a:schemeClr val="tx1"/>
+          </a:fontRef>
+        </p:style>
+      </p:cxnSp>
+      <p:sp>
+        <p:nvSpPr>
+          <p:cNvPr id="28" name="제목 12"/>
+          <p:cNvSpPr txBox="1">
+            <a:spLocks/>
+          </p:cNvSpPr>
+          <p:nvPr/>
+        </p:nvSpPr>
+        <p:spPr>
+          <a:xfrm>
+            <a:off x="323528" y="692696"/>
+            <a:ext cx="2808312" cy="296631"/>
+          </a:xfrm>
+          <a:prstGeom prst="rect">
+            <a:avLst/>
+          </a:prstGeom>
+        </p:spPr>
+        <p:txBody>
+          <a:bodyPr vert="horz" lIns="91440" tIns="45720" rIns="91440" bIns="45720" rtlCol="0" anchor="t">
+            <a:noAutofit/>
+          </a:bodyPr>
+          <a:lstStyle/>
+          <a:p>
+            <a:pPr>
+              <a:spcBef>
+                <a:spcPct val="0"/>
+              </a:spcBef>
+              <a:defRPr/>
+            </a:pPr>
+            <a:r>
+              <a:rPr kumimoji="0" lang="en-US" altLang="ko-KR" sz="1700" b="1" i="0" u="none" strike="noStrike" kern="1200" cap="none" spc="0" normalizeH="0" baseline="0" noProof="0" dirty="0">
+                <a:ln>
+                  <a:noFill/>
+                </a:ln>
+                <a:solidFill>
+                  <a:schemeClr val="bg1"/>
+                </a:solidFill>
+                <a:effectLst/>
+                <a:uLnTx/>
+                <a:uFillTx/>
+                <a:latin typeface="+mn-ea"/>
+                <a:cs typeface="+mj-cs"/>
+              </a:rPr>
+              <a:t>| </a:t>
+            </a:r>
+            <a:r>
+              <a:rPr lang="ko-KR" altLang="en-US" sz="1700" b="1" dirty="0" err="1">
+                <a:solidFill>
+                  <a:schemeClr val="bg1"/>
+                </a:solidFill>
+                <a:latin typeface="+mn-ea"/>
+              </a:rPr>
+              <a:t>핵심소스코드</a:t>
+            </a:r>
+            <a:r>
+              <a:rPr lang="en-US" altLang="ko-KR" sz="1700" spc="-50" dirty="0">
+                <a:solidFill>
+                  <a:schemeClr val="bg1"/>
+                </a:solidFill>
+                <a:latin typeface="+mn-ea"/>
+                <a:cs typeface="+mj-cs"/>
+              </a:rPr>
+              <a:t>(Lambda)(1)</a:t>
+            </a:r>
+            <a:endParaRPr lang="ko-KR" altLang="en-US" sz="1700" spc="-50" dirty="0">
+              <a:solidFill>
+                <a:schemeClr val="bg1"/>
+              </a:solidFill>
+              <a:latin typeface="+mn-ea"/>
+            </a:endParaRPr>
+          </a:p>
+        </p:txBody>
+      </p:sp>
+      <p:pic>
+        <p:nvPicPr>
+          <p:cNvPr id="29" name="Picture 6"/>
+          <p:cNvPicPr>
+            <a:picLocks noChangeAspect="1" noChangeArrowheads="1"/>
+          </p:cNvPicPr>
+          <p:nvPr/>
+        </p:nvPicPr>
+        <p:blipFill>
+          <a:blip r:embed="rId2" cstate="print">
+            <a:extLst>
+              <a:ext uri="{28A0092B-C50C-407E-A947-70E740481C1C}">
+                <a14:useLocalDpi xmlns:a14="http://schemas.microsoft.com/office/drawing/2010/main" val="0"/>
+              </a:ext>
+            </a:extLst>
+          </a:blip>
+          <a:srcRect/>
+          <a:stretch>
+            <a:fillRect/>
+          </a:stretch>
+        </p:blipFill>
+        <p:spPr bwMode="auto">
+          <a:xfrm>
+            <a:off x="8388424" y="78041"/>
+            <a:ext cx="677336" cy="398631"/>
+          </a:xfrm>
+          <a:prstGeom prst="rect">
+            <a:avLst/>
+          </a:prstGeom>
+          <a:noFill/>
+          <a:ln>
+            <a:noFill/>
+          </a:ln>
+          <a:extLst>
+            <a:ext uri="{909E8E84-426E-40DD-AFC4-6F175D3DCCD1}">
+              <a14:hiddenFill xmlns:a14="http://schemas.microsoft.com/office/drawing/2010/main">
+                <a:solidFill>
+                  <a:schemeClr val="accent1"/>
+                </a:solidFill>
+              </a14:hiddenFill>
+            </a:ext>
+            <a:ext uri="{91240B29-F687-4F45-9708-019B960494DF}">
+              <a14:hiddenLine xmlns:a14="http://schemas.microsoft.com/office/drawing/2010/main" w="9525">
+                <a:solidFill>
+                  <a:schemeClr val="tx1"/>
+                </a:solidFill>
+                <a:miter lim="800000"/>
+                <a:headEnd/>
+                <a:tailEnd/>
+              </a14:hiddenLine>
+            </a:ext>
+          </a:extLst>
+        </p:spPr>
+      </p:pic>
+      <p:pic>
+        <p:nvPicPr>
+          <p:cNvPr id="30" name="Picture 2"/>
+          <p:cNvPicPr>
+            <a:picLocks noChangeAspect="1" noChangeArrowheads="1"/>
+          </p:cNvPicPr>
+          <p:nvPr/>
+        </p:nvPicPr>
+        <p:blipFill>
+          <a:blip r:embed="rId3" cstate="print"/>
+          <a:srcRect/>
+          <a:stretch>
+            <a:fillRect/>
+          </a:stretch>
+        </p:blipFill>
+        <p:spPr bwMode="auto">
+          <a:xfrm>
+            <a:off x="8676456" y="476671"/>
+            <a:ext cx="454960" cy="158965"/>
+          </a:xfrm>
+          <a:prstGeom prst="rect">
+            <a:avLst/>
+          </a:prstGeom>
+          <a:noFill/>
+          <a:ln w="9525">
+            <a:noFill/>
+            <a:miter lim="800000"/>
+            <a:headEnd/>
+            <a:tailEnd/>
+          </a:ln>
+        </p:spPr>
+      </p:pic>
+      <p:sp>
+        <p:nvSpPr>
+          <p:cNvPr id="32" name="막힌 원호 31"/>
+          <p:cNvSpPr/>
+          <p:nvPr/>
+        </p:nvSpPr>
+        <p:spPr>
+          <a:xfrm flipV="1">
+            <a:off x="-577697" y="-576001"/>
+            <a:ext cx="1181047" cy="1167213"/>
+          </a:xfrm>
+          <a:prstGeom prst="blockArc">
+            <a:avLst>
+              <a:gd name="adj1" fmla="val 16158679"/>
+              <a:gd name="adj2" fmla="val 0"/>
+              <a:gd name="adj3" fmla="val 25000"/>
+            </a:avLst>
+          </a:prstGeom>
+          <a:solidFill>
+            <a:schemeClr val="bg1"/>
+          </a:solidFill>
+          <a:ln>
+            <a:solidFill>
+              <a:schemeClr val="bg1"/>
+            </a:solidFill>
+          </a:ln>
+        </p:spPr>
+        <p:style>
+          <a:lnRef idx="2">
+            <a:schemeClr val="accent1">
+              <a:shade val="50000"/>
+            </a:schemeClr>
+          </a:lnRef>
+          <a:fillRef idx="1">
+            <a:schemeClr val="accent1"/>
+          </a:fillRef>
+          <a:effectRef idx="0">
+            <a:schemeClr val="accent1"/>
+          </a:effectRef>
+          <a:fontRef idx="minor">
+            <a:schemeClr val="lt1"/>
+          </a:fontRef>
+        </p:style>
+        <p:txBody>
+          <a:bodyPr rtlCol="0" anchor="ctr"/>
+          <a:lstStyle/>
+          <a:p>
+            <a:pPr algn="ctr"/>
+            <a:endParaRPr lang="ko-KR" altLang="en-US">
+              <a:solidFill>
+                <a:schemeClr val="tx1"/>
+              </a:solidFill>
+            </a:endParaRPr>
+          </a:p>
+        </p:txBody>
+      </p:sp>
+      <p:sp>
+        <p:nvSpPr>
+          <p:cNvPr id="11" name="바닥글 개체 틀 10"/>
+          <p:cNvSpPr>
+            <a:spLocks noGrp="1"/>
+          </p:cNvSpPr>
+          <p:nvPr>
+            <p:ph type="ftr" sz="quarter" idx="11"/>
+          </p:nvPr>
+        </p:nvSpPr>
+        <p:spPr/>
+        <p:txBody>
+          <a:bodyPr/>
+          <a:lstStyle/>
+          <a:p>
+            <a:r>
+              <a:rPr lang="ko-KR" altLang="en-US"/>
+              <a:t>한이음 ▶ 프로그램 설계서</a:t>
+            </a:r>
+          </a:p>
+        </p:txBody>
+      </p:sp>
+      <p:sp>
+        <p:nvSpPr>
+          <p:cNvPr id="13" name="직사각형 12"/>
+          <p:cNvSpPr/>
+          <p:nvPr/>
+        </p:nvSpPr>
+        <p:spPr>
+          <a:xfrm>
+            <a:off x="3851920" y="548680"/>
+            <a:ext cx="5112568" cy="338554"/>
+          </a:xfrm>
+          <a:prstGeom prst="rect">
+            <a:avLst/>
+          </a:prstGeom>
+        </p:spPr>
+        <p:txBody>
+          <a:bodyPr wrap="square">
+            <a:spAutoFit/>
+          </a:bodyPr>
+          <a:lstStyle/>
+          <a:p>
+            <a:pPr marL="265113" indent="-265113" algn="r" latinLnBrk="0"/>
+            <a:r>
+              <a:rPr lang="ko-KR" altLang="en-US" sz="1600" b="1" i="1" dirty="0">
+                <a:solidFill>
+                  <a:srgbClr val="FF0000"/>
+                </a:solidFill>
+                <a:latin typeface="+mj-lt"/>
+              </a:rPr>
+              <a:t>샘플</a:t>
+            </a:r>
+            <a:r>
+              <a:rPr lang="en-US" altLang="ko-KR" sz="1600" b="1" i="1" dirty="0">
+                <a:solidFill>
+                  <a:srgbClr val="FF0000"/>
+                </a:solidFill>
+                <a:latin typeface="+mj-lt"/>
+              </a:rPr>
+              <a:t> 2</a:t>
+            </a:r>
+            <a:endParaRPr lang="ko-KR" altLang="en-US" sz="1600" b="1" i="1" dirty="0">
+              <a:solidFill>
+                <a:srgbClr val="FF0000"/>
+              </a:solidFill>
+              <a:latin typeface="+mj-lt"/>
+            </a:endParaRPr>
+          </a:p>
+        </p:txBody>
+      </p:sp>
+      <p:sp>
+        <p:nvSpPr>
+          <p:cNvPr id="5" name="TextBox 4">
+            <a:extLst>
+              <a:ext uri="{FF2B5EF4-FFF2-40B4-BE49-F238E27FC236}">
+                <a16:creationId xmlns:a16="http://schemas.microsoft.com/office/drawing/2014/main" id="{4E1DAFD7-5AA4-4DF0-BBE4-060C369BDF3F}"/>
+              </a:ext>
+            </a:extLst>
+          </p:cNvPr>
+          <p:cNvSpPr txBox="1"/>
+          <p:nvPr/>
+        </p:nvSpPr>
+        <p:spPr>
+          <a:xfrm>
+            <a:off x="323528" y="1175040"/>
+            <a:ext cx="7593503" cy="646331"/>
+          </a:xfrm>
+          <a:prstGeom prst="rect">
+            <a:avLst/>
+          </a:prstGeom>
+          <a:noFill/>
+        </p:spPr>
+        <p:txBody>
+          <a:bodyPr wrap="square" rtlCol="0">
+            <a:spAutoFit/>
+          </a:bodyPr>
+          <a:lstStyle/>
+          <a:p>
+            <a:r>
+              <a:rPr lang="en-US" altLang="ko-KR" dirty="0"/>
+              <a:t>AWS </a:t>
+            </a:r>
+            <a:r>
+              <a:rPr lang="ko-KR" altLang="en-US" dirty="0"/>
+              <a:t>의 </a:t>
+            </a:r>
+            <a:r>
+              <a:rPr lang="en-US" altLang="ko-KR" dirty="0" err="1"/>
+              <a:t>Api</a:t>
+            </a:r>
+            <a:r>
+              <a:rPr lang="en-US" altLang="ko-KR" dirty="0"/>
+              <a:t> Gateway </a:t>
+            </a:r>
+            <a:r>
+              <a:rPr lang="ko-KR" altLang="en-US" dirty="0"/>
+              <a:t>를 사용하여 데이터를 호출하기위한 </a:t>
+            </a:r>
+            <a:r>
+              <a:rPr lang="en-US" altLang="ko-KR" dirty="0"/>
+              <a:t>Lambda </a:t>
+            </a:r>
+            <a:r>
+              <a:rPr lang="ko-KR" altLang="en-US" dirty="0"/>
+              <a:t>함수 소스코드</a:t>
+            </a:r>
+          </a:p>
+        </p:txBody>
+      </p:sp>
+      <p:pic>
+        <p:nvPicPr>
+          <p:cNvPr id="4" name="그림 3" descr="스크린샷이(가) 표시된 사진&#10;&#10;자동 생성된 설명">
+            <a:extLst>
+              <a:ext uri="{FF2B5EF4-FFF2-40B4-BE49-F238E27FC236}">
+                <a16:creationId xmlns:a16="http://schemas.microsoft.com/office/drawing/2014/main" id="{79FA5ACC-4B09-4429-8A95-A9E8AFAB223E}"/>
+              </a:ext>
+            </a:extLst>
+          </p:cNvPr>
+          <p:cNvPicPr>
+            <a:picLocks noChangeAspect="1"/>
+          </p:cNvPicPr>
+          <p:nvPr/>
+        </p:nvPicPr>
+        <p:blipFill>
+          <a:blip r:embed="rId4">
+            <a:extLst>
+              <a:ext uri="{28A0092B-C50C-407E-A947-70E740481C1C}">
+                <a14:useLocalDpi xmlns:a14="http://schemas.microsoft.com/office/drawing/2010/main" val="0"/>
+              </a:ext>
+            </a:extLst>
+          </a:blip>
+          <a:stretch>
+            <a:fillRect/>
+          </a:stretch>
+        </p:blipFill>
+        <p:spPr>
+          <a:xfrm>
+            <a:off x="2031400" y="1817440"/>
+            <a:ext cx="4392488" cy="4347864"/>
+          </a:xfrm>
+          <a:prstGeom prst="rect">
+            <a:avLst/>
+          </a:prstGeom>
+        </p:spPr>
+      </p:pic>
+    </p:spTree>
+    <p:extLst>
+      <p:ext uri="{BB962C8B-B14F-4D97-AF65-F5344CB8AC3E}">
+        <p14:creationId xmlns:p14="http://schemas.microsoft.com/office/powerpoint/2010/main" val="2536055828"/>
       </p:ext>
     </p:extLst>
   </p:cSld>
@@ -6642,51 +7180,6 @@
       </p:cxnSp>
       <p:pic>
         <p:nvPicPr>
-          <p:cNvPr id="92" name="Picture 16" descr="exoplayerì ëí ì´ë¯¸ì§ ê²ìê²°ê³¼">
-            <a:extLst>
-              <a:ext uri="{FF2B5EF4-FFF2-40B4-BE49-F238E27FC236}">
-                <a16:creationId xmlns:a16="http://schemas.microsoft.com/office/drawing/2014/main" id="{FA6F8DC0-4EBF-4170-9686-F38B7B0E59A8}"/>
-              </a:ext>
-            </a:extLst>
-          </p:cNvPr>
-          <p:cNvPicPr>
-            <a:picLocks noChangeAspect="1" noChangeArrowheads="1"/>
-          </p:cNvPicPr>
-          <p:nvPr/>
-        </p:nvPicPr>
-        <p:blipFill rotWithShape="1">
-          <a:blip r:embed="rId6" cstate="print">
-            <a:extLst>
-              <a:ext uri="{28A0092B-C50C-407E-A947-70E740481C1C}">
-                <a14:useLocalDpi xmlns:a14="http://schemas.microsoft.com/office/drawing/2010/main" val="0"/>
-              </a:ext>
-            </a:extLst>
-          </a:blip>
-          <a:srcRect l="18535" t="12070" r="19529" b="12286"/>
-          <a:stretch/>
-        </p:blipFill>
-        <p:spPr bwMode="auto">
-          <a:xfrm>
-            <a:off x="7614560" y="3126438"/>
-            <a:ext cx="1259705" cy="811982"/>
-          </a:xfrm>
-          <a:prstGeom prst="rect">
-            <a:avLst/>
-          </a:prstGeom>
-          <a:noFill/>
-          <a:extLst>
-            <a:ext uri="{909E8E84-426E-40DD-AFC4-6F175D3DCCD1}">
-              <a14:hiddenFill xmlns:a14="http://schemas.microsoft.com/office/drawing/2010/main">
-                <a:solidFill>
-                  <a:srgbClr val="FFFFFF"/>
-                </a:solidFill>
-              </a14:hiddenFill>
-            </a:ext>
-          </a:extLst>
-        </p:spPr>
-      </p:pic>
-      <p:pic>
-        <p:nvPicPr>
           <p:cNvPr id="6" name="그림 5" descr="그리기, 테이블, 냉장고이(가) 표시된 사진&#10;&#10;자동 생성된 설명">
             <a:extLst>
               <a:ext uri="{FF2B5EF4-FFF2-40B4-BE49-F238E27FC236}">
@@ -6700,7 +7193,7 @@
           <p:nvPr/>
         </p:nvPicPr>
         <p:blipFill>
-          <a:blip r:embed="rId7">
+          <a:blip r:embed="rId6">
             <a:extLst>
               <a:ext uri="{28A0092B-C50C-407E-A947-70E740481C1C}">
                 <a14:useLocalDpi xmlns:a14="http://schemas.microsoft.com/office/drawing/2010/main" val="0"/>
@@ -6736,7 +7229,7 @@
           <p:nvPr/>
         </p:nvPicPr>
         <p:blipFill>
-          <a:blip r:embed="rId8" cstate="print">
+          <a:blip r:embed="rId7" cstate="print">
             <a:extLst>
               <a:ext uri="{28A0092B-C50C-407E-A947-70E740481C1C}">
                 <a14:useLocalDpi xmlns:a14="http://schemas.microsoft.com/office/drawing/2010/main" val="0"/>
@@ -6772,7 +7265,7 @@
           <p:nvPr/>
         </p:nvPicPr>
         <p:blipFill>
-          <a:blip r:embed="rId9" cstate="print">
+          <a:blip r:embed="rId8" cstate="print">
             <a:extLst>
               <a:ext uri="{28A0092B-C50C-407E-A947-70E740481C1C}">
                 <a14:useLocalDpi xmlns:a14="http://schemas.microsoft.com/office/drawing/2010/main" val="0"/>
@@ -6851,7 +7344,7 @@
           <p:nvPr/>
         </p:nvPicPr>
         <p:blipFill>
-          <a:blip r:embed="rId10" cstate="print">
+          <a:blip r:embed="rId9" cstate="print">
             <a:extLst>
               <a:ext uri="{28A0092B-C50C-407E-A947-70E740481C1C}">
                 <a14:useLocalDpi xmlns:a14="http://schemas.microsoft.com/office/drawing/2010/main" val="0"/>
@@ -6930,7 +7423,7 @@
           <p:nvPr/>
         </p:nvPicPr>
         <p:blipFill>
-          <a:blip r:embed="rId11" cstate="print">
+          <a:blip r:embed="rId10" cstate="print">
             <a:extLst>
               <a:ext uri="{28A0092B-C50C-407E-A947-70E740481C1C}">
                 <a14:useLocalDpi xmlns:a14="http://schemas.microsoft.com/office/drawing/2010/main" val="0"/>
@@ -7006,7 +7499,6 @@
           <p:cNvCxnSpPr>
             <a:cxnSpLocks/>
             <a:stCxn id="39" idx="3"/>
-            <a:endCxn id="92" idx="1"/>
           </p:cNvCxnSpPr>
           <p:nvPr/>
         </p:nvCxnSpPr>
@@ -7030,6 +7522,42 @@
           <a:effectLst/>
         </p:spPr>
       </p:cxnSp>
+      <p:pic>
+        <p:nvPicPr>
+          <p:cNvPr id="3" name="그림 2" descr="그리기, 표지판이(가) 표시된 사진&#10;&#10;자동 생성된 설명">
+            <a:extLst>
+              <a:ext uri="{FF2B5EF4-FFF2-40B4-BE49-F238E27FC236}">
+                <a16:creationId xmlns:a16="http://schemas.microsoft.com/office/drawing/2014/main" id="{E0AB8180-9EC7-41C6-B51A-64BBD5B7C09D}"/>
+              </a:ext>
+            </a:extLst>
+          </p:cNvPr>
+          <p:cNvPicPr>
+            <a:picLocks noChangeAspect="1"/>
+          </p:cNvPicPr>
+          <p:nvPr/>
+        </p:nvPicPr>
+        <p:blipFill>
+          <a:blip r:embed="rId11" cstate="print">
+            <a:extLst>
+              <a:ext uri="{28A0092B-C50C-407E-A947-70E740481C1C}">
+                <a14:useLocalDpi xmlns:a14="http://schemas.microsoft.com/office/drawing/2010/main" val="0"/>
+              </a:ext>
+            </a:extLst>
+          </a:blip>
+          <a:stretch>
+            <a:fillRect/>
+          </a:stretch>
+        </p:blipFill>
+        <p:spPr>
+          <a:xfrm>
+            <a:off x="7718374" y="3043562"/>
+            <a:ext cx="1008718" cy="977733"/>
+          </a:xfrm>
+          <a:prstGeom prst="rect">
+            <a:avLst/>
+          </a:prstGeom>
+        </p:spPr>
+      </p:pic>
     </p:spTree>
     <p:extLst>
       <p:ext uri="{BB962C8B-B14F-4D97-AF65-F5344CB8AC3E}">
@@ -8528,51 +9056,6 @@
           </a:p>
         </p:txBody>
       </p:sp>
-      <p:pic>
-        <p:nvPicPr>
-          <p:cNvPr id="33" name="Picture 16" descr="exoplayerì ëí ì´ë¯¸ì§ ê²ìê²°ê³¼">
-            <a:extLst>
-              <a:ext uri="{FF2B5EF4-FFF2-40B4-BE49-F238E27FC236}">
-                <a16:creationId xmlns:a16="http://schemas.microsoft.com/office/drawing/2014/main" id="{C20169C3-A450-4EB4-88BE-1313F0DD6DA3}"/>
-              </a:ext>
-            </a:extLst>
-          </p:cNvPr>
-          <p:cNvPicPr>
-            <a:picLocks noChangeAspect="1" noChangeArrowheads="1"/>
-          </p:cNvPicPr>
-          <p:nvPr/>
-        </p:nvPicPr>
-        <p:blipFill rotWithShape="1">
-          <a:blip r:embed="rId6" cstate="print">
-            <a:extLst>
-              <a:ext uri="{28A0092B-C50C-407E-A947-70E740481C1C}">
-                <a14:useLocalDpi xmlns:a14="http://schemas.microsoft.com/office/drawing/2010/main" val="0"/>
-              </a:ext>
-            </a:extLst>
-          </a:blip>
-          <a:srcRect l="18535" t="12070" r="19529" b="12286"/>
-          <a:stretch/>
-        </p:blipFill>
-        <p:spPr bwMode="auto">
-          <a:xfrm>
-            <a:off x="3352790" y="3483982"/>
-            <a:ext cx="725699" cy="444905"/>
-          </a:xfrm>
-          <a:prstGeom prst="rect">
-            <a:avLst/>
-          </a:prstGeom>
-          <a:noFill/>
-          <a:extLst>
-            <a:ext uri="{909E8E84-426E-40DD-AFC4-6F175D3DCCD1}">
-              <a14:hiddenFill xmlns:a14="http://schemas.microsoft.com/office/drawing/2010/main">
-                <a:solidFill>
-                  <a:srgbClr val="FFFFFF"/>
-                </a:solidFill>
-              </a14:hiddenFill>
-            </a:ext>
-          </a:extLst>
-        </p:spPr>
-      </p:pic>
       <p:cxnSp>
         <p:nvCxnSpPr>
           <p:cNvPr id="34" name="직선 화살표 연결선 33">
@@ -8621,14 +9104,14 @@
           <p:cNvCxnSpPr>
             <a:cxnSpLocks/>
             <a:stCxn id="2" idx="3"/>
-            <a:endCxn id="33" idx="1"/>
+            <a:endCxn id="3" idx="1"/>
           </p:cNvCxnSpPr>
           <p:nvPr/>
         </p:nvCxnSpPr>
         <p:spPr>
-          <a:xfrm>
-            <a:off x="2559161" y="3706435"/>
-            <a:ext cx="793629" cy="0"/>
+          <a:xfrm flipV="1">
+            <a:off x="2559161" y="3701843"/>
+            <a:ext cx="793629" cy="4592"/>
           </a:xfrm>
           <a:prstGeom prst="straightConnector1">
             <a:avLst/>
@@ -8651,6 +9134,42 @@
             <a:extLst>
               <a:ext uri="{FF2B5EF4-FFF2-40B4-BE49-F238E27FC236}">
                 <a16:creationId xmlns:a16="http://schemas.microsoft.com/office/drawing/2014/main" id="{150CB9D7-6A71-49DC-BF71-89124B579C51}"/>
+              </a:ext>
+            </a:extLst>
+          </p:cNvPr>
+          <p:cNvPicPr>
+            <a:picLocks noChangeAspect="1"/>
+          </p:cNvPicPr>
+          <p:nvPr/>
+        </p:nvPicPr>
+        <p:blipFill>
+          <a:blip r:embed="rId6" cstate="print">
+            <a:extLst>
+              <a:ext uri="{28A0092B-C50C-407E-A947-70E740481C1C}">
+                <a14:useLocalDpi xmlns:a14="http://schemas.microsoft.com/office/drawing/2010/main" val="0"/>
+              </a:ext>
+            </a:extLst>
+          </a:blip>
+          <a:stretch>
+            <a:fillRect/>
+          </a:stretch>
+        </p:blipFill>
+        <p:spPr>
+          <a:xfrm>
+            <a:off x="1863480" y="3506571"/>
+            <a:ext cx="695681" cy="399728"/>
+          </a:xfrm>
+          <a:prstGeom prst="rect">
+            <a:avLst/>
+          </a:prstGeom>
+        </p:spPr>
+      </p:pic>
+      <p:pic>
+        <p:nvPicPr>
+          <p:cNvPr id="9" name="그림 8">
+            <a:extLst>
+              <a:ext uri="{FF2B5EF4-FFF2-40B4-BE49-F238E27FC236}">
+                <a16:creationId xmlns:a16="http://schemas.microsoft.com/office/drawing/2014/main" id="{A1C61C01-D8F5-4BEC-9833-5180B5ED1EFD}"/>
               </a:ext>
             </a:extLst>
           </p:cNvPr>
@@ -8673,8 +9192,8 @@
         </p:blipFill>
         <p:spPr>
           <a:xfrm>
-            <a:off x="1863480" y="3506571"/>
-            <a:ext cx="695681" cy="399728"/>
+            <a:off x="1945017" y="3104784"/>
+            <a:ext cx="532605" cy="294845"/>
           </a:xfrm>
           <a:prstGeom prst="rect">
             <a:avLst/>
@@ -8683,10 +9202,10 @@
       </p:pic>
       <p:pic>
         <p:nvPicPr>
-          <p:cNvPr id="9" name="그림 8">
+          <p:cNvPr id="3" name="그림 2" descr="그리기, 표지판이(가) 표시된 사진&#10;&#10;자동 생성된 설명">
             <a:extLst>
               <a:ext uri="{FF2B5EF4-FFF2-40B4-BE49-F238E27FC236}">
-                <a16:creationId xmlns:a16="http://schemas.microsoft.com/office/drawing/2014/main" id="{A1C61C01-D8F5-4BEC-9833-5180B5ED1EFD}"/>
+                <a16:creationId xmlns:a16="http://schemas.microsoft.com/office/drawing/2014/main" id="{20D76428-C59A-4425-8082-D354828EEA77}"/>
               </a:ext>
             </a:extLst>
           </p:cNvPr>
@@ -8709,8 +9228,8 @@
         </p:blipFill>
         <p:spPr>
           <a:xfrm>
-            <a:off x="1945017" y="3104784"/>
-            <a:ext cx="532605" cy="294845"/>
+            <a:off x="3352790" y="3212976"/>
+            <a:ext cx="1008718" cy="977733"/>
           </a:xfrm>
           <a:prstGeom prst="rect">
             <a:avLst/>
@@ -11565,8 +12084,16 @@
       </p:sp>
       <p:pic>
         <p:nvPicPr>
-          <p:cNvPr id="16" name="image14.png"/>
-          <p:cNvPicPr preferRelativeResize="0"/>
+          <p:cNvPr id="3" name="그림 2" descr="스크린샷이(가) 표시된 사진&#10;&#10;자동 생성된 설명">
+            <a:extLst>
+              <a:ext uri="{FF2B5EF4-FFF2-40B4-BE49-F238E27FC236}">
+                <a16:creationId xmlns:a16="http://schemas.microsoft.com/office/drawing/2014/main" id="{39B01BA9-5DC8-4636-86B6-7A7E0CFADBE7}"/>
+              </a:ext>
+            </a:extLst>
+          </p:cNvPr>
+          <p:cNvPicPr>
+            <a:picLocks noChangeAspect="1"/>
+          </p:cNvPicPr>
           <p:nvPr/>
         </p:nvPicPr>
         <p:blipFill>
@@ -11577,18 +12104,54 @@
               </a:ext>
             </a:extLst>
           </a:blip>
-          <a:srcRect/>
-          <a:stretch/>
+          <a:stretch>
+            <a:fillRect/>
+          </a:stretch>
         </p:blipFill>
         <p:spPr>
           <a:xfrm>
-            <a:off x="222255" y="1241378"/>
-            <a:ext cx="8740117" cy="5211957"/>
+            <a:off x="222255" y="1328334"/>
+            <a:ext cx="4349745" cy="4908978"/>
           </a:xfrm>
           <a:prstGeom prst="rect">
             <a:avLst/>
           </a:prstGeom>
-          <a:noFill/>
+        </p:spPr>
+      </p:pic>
+      <p:pic>
+        <p:nvPicPr>
+          <p:cNvPr id="5" name="그림 4" descr="스크린샷이(가) 표시된 사진&#10;&#10;자동 생성된 설명">
+            <a:extLst>
+              <a:ext uri="{FF2B5EF4-FFF2-40B4-BE49-F238E27FC236}">
+                <a16:creationId xmlns:a16="http://schemas.microsoft.com/office/drawing/2014/main" id="{47881486-CC89-4E6A-BB17-B011D7DDEFFD}"/>
+              </a:ext>
+            </a:extLst>
+          </p:cNvPr>
+          <p:cNvPicPr>
+            <a:picLocks noChangeAspect="1"/>
+          </p:cNvPicPr>
+          <p:nvPr/>
+        </p:nvPicPr>
+        <p:blipFill>
+          <a:blip r:embed="rId5">
+            <a:extLst>
+              <a:ext uri="{28A0092B-C50C-407E-A947-70E740481C1C}">
+                <a14:useLocalDpi xmlns:a14="http://schemas.microsoft.com/office/drawing/2010/main" val="0"/>
+              </a:ext>
+            </a:extLst>
+          </a:blip>
+          <a:stretch>
+            <a:fillRect/>
+          </a:stretch>
+        </p:blipFill>
+        <p:spPr>
+          <a:xfrm>
+            <a:off x="4612627" y="1327799"/>
+            <a:ext cx="4349745" cy="4908978"/>
+          </a:xfrm>
+          <a:prstGeom prst="rect">
+            <a:avLst/>
+          </a:prstGeom>
         </p:spPr>
       </p:pic>
     </p:spTree>
@@ -12168,8 +12731,16 @@
       </p:sp>
       <p:pic>
         <p:nvPicPr>
-          <p:cNvPr id="16" name="image14.png"/>
-          <p:cNvPicPr preferRelativeResize="0"/>
+          <p:cNvPr id="3" name="그림 2" descr="스크린샷이(가) 표시된 사진&#10;&#10;자동 생성된 설명">
+            <a:extLst>
+              <a:ext uri="{FF2B5EF4-FFF2-40B4-BE49-F238E27FC236}">
+                <a16:creationId xmlns:a16="http://schemas.microsoft.com/office/drawing/2014/main" id="{DC495C92-3F79-4AEE-970E-718AD74261A1}"/>
+              </a:ext>
+            </a:extLst>
+          </p:cNvPr>
+          <p:cNvPicPr>
+            <a:picLocks noChangeAspect="1"/>
+          </p:cNvPicPr>
           <p:nvPr/>
         </p:nvPicPr>
         <p:blipFill>
@@ -12180,18 +12751,54 @@
               </a:ext>
             </a:extLst>
           </a:blip>
-          <a:srcRect/>
-          <a:stretch/>
+          <a:stretch>
+            <a:fillRect/>
+          </a:stretch>
         </p:blipFill>
         <p:spPr>
           <a:xfrm>
-            <a:off x="181628" y="1241378"/>
-            <a:ext cx="8780744" cy="5211957"/>
+            <a:off x="222255" y="1363683"/>
+            <a:ext cx="4349745" cy="4968550"/>
           </a:xfrm>
           <a:prstGeom prst="rect">
             <a:avLst/>
           </a:prstGeom>
-          <a:noFill/>
+        </p:spPr>
+      </p:pic>
+      <p:pic>
+        <p:nvPicPr>
+          <p:cNvPr id="5" name="그림 4" descr="스크린샷이(가) 표시된 사진&#10;&#10;자동 생성된 설명">
+            <a:extLst>
+              <a:ext uri="{FF2B5EF4-FFF2-40B4-BE49-F238E27FC236}">
+                <a16:creationId xmlns:a16="http://schemas.microsoft.com/office/drawing/2014/main" id="{044E695F-8F4B-4971-B9A8-4AF4C7303D21}"/>
+              </a:ext>
+            </a:extLst>
+          </p:cNvPr>
+          <p:cNvPicPr>
+            <a:picLocks noChangeAspect="1"/>
+          </p:cNvPicPr>
+          <p:nvPr/>
+        </p:nvPicPr>
+        <p:blipFill>
+          <a:blip r:embed="rId5">
+            <a:extLst>
+              <a:ext uri="{28A0092B-C50C-407E-A947-70E740481C1C}">
+                <a14:useLocalDpi xmlns:a14="http://schemas.microsoft.com/office/drawing/2010/main" val="0"/>
+              </a:ext>
+            </a:extLst>
+          </a:blip>
+          <a:stretch>
+            <a:fillRect/>
+          </a:stretch>
+        </p:blipFill>
+        <p:spPr>
+          <a:xfrm>
+            <a:off x="4539991" y="1363683"/>
+            <a:ext cx="4422381" cy="4968550"/>
+          </a:xfrm>
+          <a:prstGeom prst="rect">
+            <a:avLst/>
+          </a:prstGeom>
         </p:spPr>
       </p:pic>
     </p:spTree>
